--- a/Documents/Temporary_Documents/پوستر-کارآموزی.pptx
+++ b/Documents/Temporary_Documents/پوستر-کارآموزی.pptx
@@ -2254,7 +2254,7 @@
         </p:nvGrpSpPr>
         <p:grpSpPr>
           <a:xfrm>
-            <a:off x="428151" y="3337840"/>
+            <a:off x="428151" y="3036293"/>
             <a:ext cx="20565596" cy="26633102"/>
             <a:chOff x="428151" y="3337840"/>
             <a:chExt cx="20565596" cy="26633102"/>
@@ -2527,7 +2527,37 @@
               <a:rPr lang="fa-IR" sz="3600" dirty="0" smtClean="0">
                 <a:cs typeface="B Nazanin" panose="00000400000000000000" pitchFamily="2" charset="-78"/>
               </a:rPr>
-              <a:t> محاسبات تقریبی، موضوع جدید و مورد بحثی در طراحی دیجیتال می‌باشد که هدف از بررسی و تحقیق در این زمینه، بهبود سرعت، مساحت و توان مصرفی طرح های دیجیتال مورد استفاده در واحد های پردازشگر می‌باشد. با جایگزینی واحد های محاسباتی تقریبی با میزان خطای منطقی و قابل قبول، به جای واحد های محاسباتی دقیق ما به مزایای دیگری مانند سرعت و یا توان مصرفی کمتر دست پیدا می‌کنیم. بعد از مطالعه مقالات متعدد و تحقیقات در رابطه با عملیات های ریاضی تقریبی که این روزه در پردازنده ها و واحد های پردازشگر هوش مصنوعی و پردازش تصویر استفاده می‌شود، ما اقدام به بهبود یکی از طرح های ارائه شده در مقاله ای بین المللی کردیم و حاصل آن طراحی ضرب کننده جدیدی شد که میزان خطای آن توسط کاربر قابل کنترل می‌باشد.</a:t>
+              <a:t>محاسبات </a:t>
+            </a:r>
+            <a:r>
+              <a:rPr lang="fa-IR" sz="3600" dirty="0" smtClean="0">
+                <a:cs typeface="B Nazanin" panose="00000400000000000000" pitchFamily="2" charset="-78"/>
+              </a:rPr>
+              <a:t>تقریبی، موضوع جدید و مورد بحثی در طراحی دیجیتال می‌باشد که هدف از بررسی و تحقیق در این زمینه، بهبود سرعت، مساحت و توان مصرفی طرح های دیجیتال مورد استفاده در واحد های پردازشگر می‌باشد. با جایگزینی واحد های محاسباتی تقریبی با میزان خطای منطقی و قابل قبول، به جای واحد های محاسباتی دقیق ما به </a:t>
+            </a:r>
+            <a:r>
+              <a:rPr lang="fa-IR" sz="3600" dirty="0" smtClean="0">
+                <a:cs typeface="B Nazanin" panose="00000400000000000000" pitchFamily="2" charset="-78"/>
+              </a:rPr>
+              <a:t>مزایایی مانند </a:t>
+            </a:r>
+            <a:r>
+              <a:rPr lang="fa-IR" sz="3600" dirty="0" smtClean="0">
+                <a:cs typeface="B Nazanin" panose="00000400000000000000" pitchFamily="2" charset="-78"/>
+              </a:rPr>
+              <a:t>سرعت </a:t>
+            </a:r>
+            <a:r>
+              <a:rPr lang="fa-IR" sz="3600" dirty="0" smtClean="0">
+                <a:cs typeface="B Nazanin" panose="00000400000000000000" pitchFamily="2" charset="-78"/>
+              </a:rPr>
+              <a:t>بیشتر و </a:t>
+            </a:r>
+            <a:r>
+              <a:rPr lang="fa-IR" sz="3600" dirty="0" smtClean="0">
+                <a:cs typeface="B Nazanin" panose="00000400000000000000" pitchFamily="2" charset="-78"/>
+              </a:rPr>
+              <a:t>یا توان مصرفی کمتر دست پیدا می‌کنیم. بعد از مطالعه مقالات متعدد و تحقیقات در رابطه با عملیات های ریاضی تقریبی که این روزه در پردازنده ها و واحد های پردازشگر هوش مصنوعی و پردازش تصویر استفاده می‌شود، ما اقدام به بهبود یکی از طرح های ارائه شده در مقاله ای بین المللی کردیم و حاصل آن طراحی ضرب کننده جدیدی شد که میزان خطای آن توسط کاربر قابل کنترل می‌باشد.</a:t>
             </a:r>
           </a:p>
           <a:p>
@@ -2542,7 +2572,25 @@
               <a:rPr lang="fa-IR" sz="3600" dirty="0" smtClean="0">
                 <a:cs typeface="B Nazanin" panose="00000400000000000000" pitchFamily="2" charset="-78"/>
               </a:rPr>
-              <a:t> بعد از طراحی ضرب کننده، ما اقدام به طراحی یک پروسسور 32 بیتی با معماری </a:t>
+              <a:t>بعد </a:t>
+            </a:r>
+            <a:r>
+              <a:rPr lang="fa-IR" sz="3600" dirty="0" smtClean="0">
+                <a:cs typeface="B Nazanin" panose="00000400000000000000" pitchFamily="2" charset="-78"/>
+              </a:rPr>
+              <a:t>از طراحی ضرب کننده</a:t>
+            </a:r>
+            <a:r>
+              <a:rPr lang="fa-IR" sz="3600" dirty="0" smtClean="0">
+                <a:cs typeface="B Nazanin" panose="00000400000000000000" pitchFamily="2" charset="-78"/>
+              </a:rPr>
+              <a:t>، </a:t>
+            </a:r>
+            <a:r>
+              <a:rPr lang="fa-IR" sz="3600" dirty="0" smtClean="0">
+                <a:cs typeface="B Nazanin" panose="00000400000000000000" pitchFamily="2" charset="-78"/>
+              </a:rPr>
+              <a:t>طراحی یک پروسسور 32 بیتی با معماری </a:t>
             </a:r>
             <a:r>
               <a:rPr lang="en-US" sz="3600" dirty="0" smtClean="0">
@@ -2554,26 +2602,47 @@
               <a:rPr lang="fa-IR" sz="3600" dirty="0" smtClean="0">
                 <a:cs typeface="B Nazanin" panose="00000400000000000000" pitchFamily="2" charset="-78"/>
               </a:rPr>
-              <a:t> کردیم که از مزیای طراحی ماژولار، پایپلاین 5 مرحله ای و واحد کنترل غیر متمرکز بهره می‌برد که باعث دسترسی به فرکانس 250 مگاهرتزی در پردازنده شد که عدد </a:t>
-            </a:r>
-            <a:r>
-              <a:rPr lang="fa-IR" sz="3600" smtClean="0">
-                <a:cs typeface="B Nazanin" panose="00000400000000000000" pitchFamily="2" charset="-78"/>
-              </a:rPr>
-              <a:t>قابل </a:t>
-            </a:r>
-            <a:r>
-              <a:rPr lang="fa-IR" sz="3600" smtClean="0">
-                <a:cs typeface="B Nazanin" panose="00000400000000000000" pitchFamily="2" charset="-78"/>
-              </a:rPr>
-              <a:t>قبول </a:t>
-            </a:r>
-            <a:r>
-              <a:rPr lang="fa-IR" sz="3600" dirty="0" smtClean="0">
-                <a:cs typeface="B Nazanin" panose="00000400000000000000" pitchFamily="2" charset="-78"/>
-              </a:rPr>
-              <a:t>و مناسبی برای پروسسور های مصرفی در پروژه های میکروکنترلری و سیستم های نهفته می‌باشد. در نهایت ضرب کننده تقریبی در معماری پردازنده طراحی شده، قرار گرفته شد و مورد استفاده قرار گرفت.</a:t>
-            </a:r>
+              <a:t> </a:t>
+            </a:r>
+            <a:r>
+              <a:rPr lang="fa-IR" sz="3600" dirty="0" smtClean="0">
+                <a:cs typeface="B Nazanin" panose="00000400000000000000" pitchFamily="2" charset="-78"/>
+              </a:rPr>
+              <a:t>آغاز گردید</a:t>
+            </a:r>
+            <a:r>
+              <a:rPr lang="fa-IR" sz="3600" dirty="0" smtClean="0">
+                <a:cs typeface="B Nazanin" panose="00000400000000000000" pitchFamily="2" charset="-78"/>
+              </a:rPr>
+              <a:t> </a:t>
+            </a:r>
+            <a:r>
+              <a:rPr lang="fa-IR" sz="3600" dirty="0" smtClean="0">
+                <a:cs typeface="B Nazanin" panose="00000400000000000000" pitchFamily="2" charset="-78"/>
+              </a:rPr>
+              <a:t>که از مزیای طراحی ماژولار، پایپلاین 5 مرحله ای و واحد کنترل غیر متمرکز </a:t>
+            </a:r>
+            <a:r>
+              <a:rPr lang="fa-IR" sz="3600" dirty="0" smtClean="0">
+                <a:cs typeface="B Nazanin" panose="00000400000000000000" pitchFamily="2" charset="-78"/>
+              </a:rPr>
+              <a:t>بهره‌ مند می‌باشد. پردازنده طراحی شده با تکنولوژی 0.18 میکرون </a:t>
+            </a:r>
+            <a:r>
+              <a:rPr lang="en-US" sz="3600" dirty="0" smtClean="0">
+                <a:cs typeface="B Nazanin" panose="00000400000000000000" pitchFamily="2" charset="-78"/>
+              </a:rPr>
+              <a:t>TSMC</a:t>
+            </a:r>
+            <a:r>
+              <a:rPr lang="fa-IR" sz="3600" dirty="0" smtClean="0">
+                <a:cs typeface="B Nazanin" panose="00000400000000000000" pitchFamily="2" charset="-78"/>
+              </a:rPr>
+              <a:t> فرکانس کاری 250 مگاهرتز را دارا می‌باشد، که در مقایسه با پردازنده های میکروکنترلری و سیستم های نهفته هم ردیف خود عدد بسیار خوبی است.</a:t>
+            </a:r>
+            <a:endParaRPr lang="fa-IR" sz="3600" dirty="0" smtClean="0">
+              <a:cs typeface="B Nazanin" panose="00000400000000000000" pitchFamily="2" charset="-78"/>
+            </a:endParaRPr>
           </a:p>
           <a:p>
             <a:pPr marL="228609" indent="-228609" algn="just" rtl="1">
@@ -2912,16 +2981,16 @@
               <a:buChar char="•"/>
             </a:pPr>
             <a:r>
-              <a:rPr lang="en-US" sz="3600" dirty="0" smtClean="0">
-                <a:cs typeface="B Nazanin" panose="00000400000000000000" pitchFamily="2" charset="-78"/>
-              </a:rPr>
-              <a:t> </a:t>
-            </a:r>
-            <a:r>
-              <a:rPr lang="fa-IR" sz="3600" dirty="0" smtClean="0">
-                <a:cs typeface="B Nazanin" panose="00000400000000000000" pitchFamily="2" charset="-78"/>
-              </a:rPr>
-              <a:t>طراحی مدار ضرب کننده تقریبی با خطای قابل کنترل</a:t>
+              <a:rPr lang="fa-IR" sz="3600" dirty="0" smtClean="0">
+                <a:cs typeface="B Nazanin" panose="00000400000000000000" pitchFamily="2" charset="-78"/>
+              </a:rPr>
+              <a:t>طراحی </a:t>
+            </a:r>
+            <a:r>
+              <a:rPr lang="fa-IR" sz="3600" dirty="0" smtClean="0">
+                <a:cs typeface="B Nazanin" panose="00000400000000000000" pitchFamily="2" charset="-78"/>
+              </a:rPr>
+              <a:t>مدار ضرب کننده تقریبی با خطای قابل کنترل</a:t>
             </a:r>
             <a:endParaRPr lang="fa-IR" sz="3600" dirty="0">
               <a:cs typeface="B Nazanin" panose="00000400000000000000" pitchFamily="2" charset="-78"/>
@@ -2939,7 +3008,13 @@
               <a:rPr lang="fa-IR" sz="3600" dirty="0" smtClean="0">
                 <a:cs typeface="B Nazanin" panose="00000400000000000000" pitchFamily="2" charset="-78"/>
               </a:rPr>
-              <a:t> بررسی ضرب کننده در الگوریتم پردازش تصویر و مقایسه نتیج با مقالات معتبر</a:t>
+              <a:t>بررسی </a:t>
+            </a:r>
+            <a:r>
+              <a:rPr lang="fa-IR" sz="3600" dirty="0" smtClean="0">
+                <a:cs typeface="B Nazanin" panose="00000400000000000000" pitchFamily="2" charset="-78"/>
+              </a:rPr>
+              <a:t>ضرب کننده در الگوریتم پردازش تصویر و مقایسه نتیج با مقالات معتبر</a:t>
             </a:r>
           </a:p>
           <a:p>
@@ -2951,16 +3026,16 @@
               <a:buChar char="•"/>
             </a:pPr>
             <a:r>
-              <a:rPr lang="fa-IR" sz="3600" dirty="0">
-                <a:cs typeface="B Nazanin" panose="00000400000000000000" pitchFamily="2" charset="-78"/>
-              </a:rPr>
-              <a:t> </a:t>
-            </a:r>
-            <a:r>
-              <a:rPr lang="fa-IR" sz="3600" dirty="0" smtClean="0">
-                <a:cs typeface="B Nazanin" panose="00000400000000000000" pitchFamily="2" charset="-78"/>
-              </a:rPr>
-              <a:t>طراحی و رسم بلوک دیاگرام پردازنده</a:t>
+              <a:rPr lang="fa-IR" sz="3600" dirty="0" smtClean="0">
+                <a:cs typeface="B Nazanin" panose="00000400000000000000" pitchFamily="2" charset="-78"/>
+              </a:rPr>
+              <a:t>طراحی </a:t>
+            </a:r>
+            <a:r>
+              <a:rPr lang="fa-IR" sz="3600" dirty="0" smtClean="0">
+                <a:cs typeface="B Nazanin" panose="00000400000000000000" pitchFamily="2" charset="-78"/>
+              </a:rPr>
+              <a:t>و رسم بلوک دیاگرام پردازنده</a:t>
             </a:r>
           </a:p>
           <a:p>
@@ -2972,16 +3047,16 @@
               <a:buChar char="•"/>
             </a:pPr>
             <a:r>
-              <a:rPr lang="fa-IR" sz="3600" dirty="0">
-                <a:cs typeface="B Nazanin" panose="00000400000000000000" pitchFamily="2" charset="-78"/>
-              </a:rPr>
-              <a:t> </a:t>
-            </a:r>
-            <a:r>
-              <a:rPr lang="fa-IR" sz="3600" dirty="0" smtClean="0">
-                <a:cs typeface="B Nazanin" panose="00000400000000000000" pitchFamily="2" charset="-78"/>
-              </a:rPr>
-              <a:t>طراحی پردازنده کامل به همراه ضرب کننده تقریبی با خطای قابل کنترل با استفاده از زبان توصیف سخ</a:t>
+              <a:rPr lang="fa-IR" sz="3600" dirty="0" smtClean="0">
+                <a:cs typeface="B Nazanin" panose="00000400000000000000" pitchFamily="2" charset="-78"/>
+              </a:rPr>
+              <a:t>طراحی پردازنده کامل با </a:t>
+            </a:r>
+            <a:r>
+              <a:rPr lang="fa-IR" sz="3600" dirty="0" smtClean="0">
+                <a:cs typeface="B Nazanin" panose="00000400000000000000" pitchFamily="2" charset="-78"/>
+              </a:rPr>
+              <a:t>استفاده از زبان توصیف سخ</a:t>
             </a:r>
             <a:r>
               <a:rPr lang="fa-IR" sz="3600" dirty="0">
@@ -3014,16 +3089,16 @@
               <a:buChar char="•"/>
             </a:pPr>
             <a:r>
-              <a:rPr lang="fa-IR" sz="3600" dirty="0">
-                <a:cs typeface="B Nazanin" panose="00000400000000000000" pitchFamily="2" charset="-78"/>
-              </a:rPr>
-              <a:t> </a:t>
-            </a:r>
-            <a:r>
-              <a:rPr lang="fa-IR" sz="3600" dirty="0" smtClean="0">
-                <a:cs typeface="B Nazanin" panose="00000400000000000000" pitchFamily="2" charset="-78"/>
-              </a:rPr>
-              <a:t>تست و شبیه سازی پردازنده با اجرای برنامه های مختلف به زبان اسمبلی</a:t>
+              <a:rPr lang="fa-IR" sz="3600" dirty="0" smtClean="0">
+                <a:cs typeface="B Nazanin" panose="00000400000000000000" pitchFamily="2" charset="-78"/>
+              </a:rPr>
+              <a:t>تست </a:t>
+            </a:r>
+            <a:r>
+              <a:rPr lang="fa-IR" sz="3600" dirty="0" smtClean="0">
+                <a:cs typeface="B Nazanin" panose="00000400000000000000" pitchFamily="2" charset="-78"/>
+              </a:rPr>
+              <a:t>و شبیه سازی پردازنده با اجرای برنامه های مختلف به زبان اسمبلی</a:t>
             </a:r>
           </a:p>
           <a:p>
@@ -3035,16 +3110,16 @@
               <a:buChar char="•"/>
             </a:pPr>
             <a:r>
-              <a:rPr lang="fa-IR" sz="3600" dirty="0">
-                <a:cs typeface="B Nazanin" panose="00000400000000000000" pitchFamily="2" charset="-78"/>
-              </a:rPr>
-              <a:t> </a:t>
-            </a:r>
-            <a:r>
-              <a:rPr lang="fa-IR" sz="3600" dirty="0" smtClean="0">
-                <a:cs typeface="B Nazanin" panose="00000400000000000000" pitchFamily="2" charset="-78"/>
-              </a:rPr>
-              <a:t>تطبیق پردازنده با کامپایلر استاندارد </a:t>
+              <a:rPr lang="fa-IR" sz="3600" dirty="0" smtClean="0">
+                <a:cs typeface="B Nazanin" panose="00000400000000000000" pitchFamily="2" charset="-78"/>
+              </a:rPr>
+              <a:t>تطبیق </a:t>
+            </a:r>
+            <a:r>
+              <a:rPr lang="fa-IR" sz="3600" dirty="0" smtClean="0">
+                <a:cs typeface="B Nazanin" panose="00000400000000000000" pitchFamily="2" charset="-78"/>
+              </a:rPr>
+              <a:t>پردازنده با کامپایلر استاندارد </a:t>
             </a:r>
             <a:r>
               <a:rPr lang="en-US" sz="3600" dirty="0" smtClean="0">
@@ -3080,7 +3155,13 @@
               <a:rPr lang="fa-IR" sz="3600" dirty="0" smtClean="0">
                 <a:cs typeface="B Nazanin" panose="00000400000000000000" pitchFamily="2" charset="-78"/>
               </a:rPr>
-              <a:t> طراحی و تولید یک نرم افزار کامل جهت اجرای برنامه کاربر به زبان </a:t>
+              <a:t>طراحی </a:t>
+            </a:r>
+            <a:r>
+              <a:rPr lang="fa-IR" sz="3600" dirty="0" smtClean="0">
+                <a:cs typeface="B Nazanin" panose="00000400000000000000" pitchFamily="2" charset="-78"/>
+              </a:rPr>
+              <a:t>و تولید یک نرم افزار کامل جهت اجرای برنامه کاربر به زبان </a:t>
             </a:r>
             <a:r>
               <a:rPr lang="en-US" sz="3600" dirty="0" smtClean="0">
@@ -3092,19 +3173,7 @@
               <a:rPr lang="fa-IR" sz="3600" dirty="0" smtClean="0">
                 <a:cs typeface="B Nazanin" panose="00000400000000000000" pitchFamily="2" charset="-78"/>
               </a:rPr>
-              <a:t> و اسمبلی روی پردازنده، منطبق با سیستم </a:t>
-            </a:r>
-            <a:r>
-              <a:rPr lang="fa-IR" sz="3600" dirty="0" smtClean="0">
-                <a:cs typeface="B Nazanin" panose="00000400000000000000" pitchFamily="2" charset="-78"/>
-              </a:rPr>
-              <a:t>عامل </a:t>
-            </a:r>
-            <a:r>
-              <a:rPr lang="fa-IR" sz="3600" dirty="0" smtClean="0">
-                <a:cs typeface="B Nazanin" panose="00000400000000000000" pitchFamily="2" charset="-78"/>
-              </a:rPr>
-              <a:t>های ویندوز و لینوکس</a:t>
+              <a:t> و اسمبلی روی پردازنده، منطبق با سیستم عامل های ویندوز و لینوکس</a:t>
             </a:r>
           </a:p>
           <a:p>
@@ -4297,7 +4366,7 @@
         </p:nvGrpSpPr>
         <p:grpSpPr>
           <a:xfrm>
-            <a:off x="14527869" y="3708626"/>
+            <a:off x="14527869" y="3756373"/>
             <a:ext cx="6126480" cy="731520"/>
             <a:chOff x="30117740" y="7058354"/>
             <a:chExt cx="10563480" cy="1021749"/>
@@ -4477,7 +4546,7 @@
         </p:nvGrpSpPr>
         <p:grpSpPr>
           <a:xfrm>
-            <a:off x="14535309" y="12772018"/>
+            <a:off x="14535309" y="14485565"/>
             <a:ext cx="6126480" cy="685800"/>
             <a:chOff x="30117740" y="7058350"/>
             <a:chExt cx="10563480" cy="1021753"/>
@@ -4657,7 +4726,7 @@
         </p:nvGrpSpPr>
         <p:grpSpPr>
           <a:xfrm>
-            <a:off x="14518898" y="20378781"/>
+            <a:off x="14518898" y="21254317"/>
             <a:ext cx="6126480" cy="731520"/>
             <a:chOff x="30117740" y="4178740"/>
             <a:chExt cx="10563480" cy="1021753"/>
@@ -4859,8 +4928,8 @@
         </p:nvSpPr>
         <p:spPr>
           <a:xfrm>
-            <a:off x="14527869" y="21470341"/>
-            <a:ext cx="6098005" cy="7726557"/>
+            <a:off x="14527869" y="22273484"/>
+            <a:ext cx="6098005" cy="6685689"/>
           </a:xfrm>
           <a:prstGeom prst="rect">
             <a:avLst/>
@@ -4889,8 +4958,17 @@
               <a:rPr lang="fa-IR" sz="3600" dirty="0" smtClean="0">
                 <a:cs typeface="B Nazanin" panose="00000400000000000000" pitchFamily="2" charset="-78"/>
               </a:rPr>
-              <a:t>طراحی پردازنده در سطح معماری و رسم بلوک دایگرام بعد از انجام مطالعات در زمینه معماری مورد نظر</a:t>
-            </a:r>
+              <a:t>طراحی پردازنده در سطح معماری و رسم بلوک دایگرام بعد از انجام مطالعات در زمینه معماری مورد </a:t>
+            </a:r>
+            <a:r>
+              <a:rPr lang="fa-IR" sz="3600" dirty="0" smtClean="0">
+                <a:cs typeface="B Nazanin" panose="00000400000000000000" pitchFamily="2" charset="-78"/>
+              </a:rPr>
+              <a:t>نظر</a:t>
+            </a:r>
+            <a:endParaRPr lang="fa-IR" sz="3600" dirty="0">
+              <a:cs typeface="B Nazanin" panose="00000400000000000000" pitchFamily="2" charset="-78"/>
+            </a:endParaRPr>
           </a:p>
           <a:p>
             <a:pPr algn="just" rtl="1">
@@ -4898,16 +4976,6 @@
                 <a:spcPct val="115000"/>
               </a:lnSpc>
             </a:pPr>
-            <a:endParaRPr lang="fa-IR" sz="3600" dirty="0">
-              <a:cs typeface="B Nazanin" panose="00000400000000000000" pitchFamily="2" charset="-78"/>
-            </a:endParaRPr>
-          </a:p>
-          <a:p>
-            <a:pPr algn="just" rtl="1">
-              <a:lnSpc>
-                <a:spcPct val="115000"/>
-              </a:lnSpc>
-            </a:pPr>
             <a:r>
               <a:rPr lang="fa-IR" sz="3600" dirty="0">
                 <a:cs typeface="B Nazanin" panose="00000400000000000000" pitchFamily="2" charset="-78"/>
@@ -4938,16 +5006,6 @@
               </a:rPr>
               <a:t>Verilog</a:t>
             </a:r>
-            <a:endParaRPr lang="fa-IR" sz="3600" dirty="0" smtClean="0">
-              <a:cs typeface="B Nazanin" panose="00000400000000000000" pitchFamily="2" charset="-78"/>
-            </a:endParaRPr>
-          </a:p>
-          <a:p>
-            <a:pPr algn="just" rtl="1">
-              <a:lnSpc>
-                <a:spcPct val="115000"/>
-              </a:lnSpc>
-            </a:pPr>
             <a:endParaRPr lang="fa-IR" sz="3600" dirty="0">
               <a:cs typeface="B Nazanin" panose="00000400000000000000" pitchFamily="2" charset="-78"/>
             </a:endParaRPr>
@@ -4996,7 +5054,7 @@
         </p:nvSpPr>
         <p:spPr bwMode="auto">
           <a:xfrm>
-            <a:off x="8371931" y="29049883"/>
+            <a:off x="8371931" y="28066287"/>
             <a:ext cx="4715251" cy="579683"/>
           </a:xfrm>
           <a:prstGeom prst="rect">
@@ -5168,8 +5226,8 @@
         </p:nvSpPr>
         <p:spPr>
           <a:xfrm>
-            <a:off x="14644147" y="4802348"/>
-            <a:ext cx="5981727" cy="7522977"/>
+            <a:off x="14644147" y="4836494"/>
+            <a:ext cx="5981727" cy="9433047"/>
           </a:xfrm>
           <a:prstGeom prst="rect">
             <a:avLst/>
@@ -5191,7 +5249,13 @@
               <a:rPr lang="fa-IR" sz="3600" dirty="0" smtClean="0">
                 <a:cs typeface="B Nazanin" panose="00000400000000000000" pitchFamily="2" charset="-78"/>
               </a:rPr>
-              <a:t> طراحی یک پردازنده 32 بیتی تحت معماری </a:t>
+              <a:t>طراحی </a:t>
+            </a:r>
+            <a:r>
+              <a:rPr lang="fa-IR" sz="3600" dirty="0" smtClean="0">
+                <a:cs typeface="B Nazanin" panose="00000400000000000000" pitchFamily="2" charset="-78"/>
+              </a:rPr>
+              <a:t>یک پردازنده 32 بیتی تحت معماری </a:t>
             </a:r>
             <a:r>
               <a:rPr lang="en-US" sz="3600" dirty="0" smtClean="0">
@@ -5221,14 +5285,14 @@
               <a:rPr lang="fa-IR" sz="3600" dirty="0" smtClean="0">
                 <a:cs typeface="B Nazanin" panose="00000400000000000000" pitchFamily="2" charset="-78"/>
               </a:rPr>
-              <a:t>و اسمبلی.</a:t>
-            </a:r>
-          </a:p>
-          <a:p>
-            <a:pPr algn="just" rtl="1"/>
-            <a:endParaRPr lang="fa-IR" sz="3600" dirty="0" smtClean="0">
-              <a:cs typeface="B Nazanin" panose="00000400000000000000" pitchFamily="2" charset="-78"/>
-            </a:endParaRPr>
+              <a:t>و </a:t>
+            </a:r>
+            <a:r>
+              <a:rPr lang="fa-IR" sz="3600" dirty="0" smtClean="0">
+                <a:cs typeface="B Nazanin" panose="00000400000000000000" pitchFamily="2" charset="-78"/>
+              </a:rPr>
+              <a:t>اسمبلی</a:t>
+            </a:r>
           </a:p>
           <a:p>
             <a:pPr marL="261908" indent="-261908" algn="just" rtl="1">
@@ -5236,16 +5300,10 @@
               <a:buChar char="•"/>
             </a:pPr>
             <a:r>
-              <a:rPr lang="fa-IR" sz="3600" dirty="0">
-                <a:cs typeface="B Nazanin" panose="00000400000000000000" pitchFamily="2" charset="-78"/>
-              </a:rPr>
-              <a:t> </a:t>
-            </a:r>
-            <a:r>
-              <a:rPr lang="fa-IR" sz="3600" dirty="0" smtClean="0">
-                <a:cs typeface="B Nazanin" panose="00000400000000000000" pitchFamily="2" charset="-78"/>
-              </a:rPr>
-              <a:t>ویژگی ها: پردازنده دارای عملگر ضرب‌کننده تقریبی با خطای قابل تنظیم برای عملیات های پردازش تصویر و هوش مصنوعی</a:t>
+              <a:rPr lang="fa-IR" sz="3600" dirty="0" smtClean="0">
+                <a:cs typeface="B Nazanin" panose="00000400000000000000" pitchFamily="2" charset="-78"/>
+              </a:rPr>
+              <a:t>طراحی یک ضرب کننده تقریبی برای مصارف پردازش تصویر</a:t>
             </a:r>
           </a:p>
           <a:p>
@@ -5253,7 +5311,7 @@
               <a:buFont typeface="Arial" panose="020B0604020202020204" pitchFamily="34" charset="0"/>
               <a:buChar char="•"/>
             </a:pPr>
-            <a:endParaRPr lang="fa-IR" sz="3600" dirty="0">
+            <a:endParaRPr lang="fa-IR" sz="3600" dirty="0" smtClean="0">
               <a:cs typeface="B Nazanin" panose="00000400000000000000" pitchFamily="2" charset="-78"/>
             </a:endParaRPr>
           </a:p>
@@ -5266,7 +5324,76 @@
               <a:rPr lang="fa-IR" sz="3600" dirty="0" smtClean="0">
                 <a:cs typeface="B Nazanin" panose="00000400000000000000" pitchFamily="2" charset="-78"/>
               </a:rPr>
-              <a:t> فرکانس کاری 250 مگاهرتز و قابل مقایسه با پردازنده های معروف و صنعتی </a:t>
+              <a:t>ویژگی </a:t>
+            </a:r>
+            <a:r>
+              <a:rPr lang="fa-IR" sz="3600" dirty="0" smtClean="0">
+                <a:cs typeface="B Nazanin" panose="00000400000000000000" pitchFamily="2" charset="-78"/>
+              </a:rPr>
+              <a:t>ها</a:t>
+            </a:r>
+            <a:r>
+              <a:rPr lang="fa-IR" sz="3600" dirty="0" smtClean="0">
+                <a:cs typeface="B Nazanin" panose="00000400000000000000" pitchFamily="2" charset="-78"/>
+              </a:rPr>
+              <a:t>:</a:t>
+            </a:r>
+          </a:p>
+          <a:p>
+            <a:pPr marL="261908" indent="-261908" algn="just" rtl="1">
+              <a:buFont typeface="Arial" panose="020B0604020202020204" pitchFamily="34" charset="0"/>
+              <a:buChar char="•"/>
+            </a:pPr>
+            <a:r>
+              <a:rPr lang="fa-IR" sz="3600" dirty="0" smtClean="0">
+                <a:cs typeface="B Nazanin" panose="00000400000000000000" pitchFamily="2" charset="-78"/>
+              </a:rPr>
+              <a:t>ضرب‌کننده </a:t>
+            </a:r>
+            <a:r>
+              <a:rPr lang="fa-IR" sz="3600" dirty="0" smtClean="0">
+                <a:cs typeface="B Nazanin" panose="00000400000000000000" pitchFamily="2" charset="-78"/>
+              </a:rPr>
+              <a:t>تقریبی با خطای قابل تنظیم برای عملیات های پردازش تصویر و هوش </a:t>
+            </a:r>
+            <a:r>
+              <a:rPr lang="fa-IR" sz="3600" dirty="0" smtClean="0">
+                <a:cs typeface="B Nazanin" panose="00000400000000000000" pitchFamily="2" charset="-78"/>
+              </a:rPr>
+              <a:t>مصنوعی</a:t>
+            </a:r>
+          </a:p>
+          <a:p>
+            <a:pPr marL="261908" indent="-261908" algn="just" rtl="1">
+              <a:buFont typeface="Arial" panose="020B0604020202020204" pitchFamily="34" charset="0"/>
+              <a:buChar char="•"/>
+            </a:pPr>
+            <a:r>
+              <a:rPr lang="fa-IR" sz="3600" dirty="0" smtClean="0">
+                <a:cs typeface="B Nazanin" panose="00000400000000000000" pitchFamily="2" charset="-78"/>
+              </a:rPr>
+              <a:t>پردازنده پایپلاین با واحد کنترل غیر متمرکز و طراحی قبال گسترش و ماژولار</a:t>
+            </a:r>
+            <a:endParaRPr lang="fa-IR" sz="3600" dirty="0">
+              <a:cs typeface="B Nazanin" panose="00000400000000000000" pitchFamily="2" charset="-78"/>
+            </a:endParaRPr>
+          </a:p>
+          <a:p>
+            <a:pPr marL="261908" indent="-261908" algn="just" rtl="1">
+              <a:buFont typeface="Arial" panose="020B0604020202020204" pitchFamily="34" charset="0"/>
+              <a:buChar char="•"/>
+            </a:pPr>
+            <a:r>
+              <a:rPr lang="fa-IR" sz="3600" dirty="0" smtClean="0">
+                <a:cs typeface="B Nazanin" panose="00000400000000000000" pitchFamily="2" charset="-78"/>
+              </a:rPr>
+              <a:t>فرکانس </a:t>
+            </a:r>
+            <a:r>
+              <a:rPr lang="fa-IR" sz="3600" dirty="0" smtClean="0">
+                <a:cs typeface="B Nazanin" panose="00000400000000000000" pitchFamily="2" charset="-78"/>
+              </a:rPr>
+              <a:t>کاری 250 مگاهرتز و قابل مقایسه با پردازنده های معروف و صنعتی </a:t>
             </a:r>
             <a:r>
               <a:rPr lang="en-US" sz="3600" dirty="0" smtClean="0">
@@ -5330,8 +5457,8 @@
         </p:nvSpPr>
         <p:spPr>
           <a:xfrm>
-            <a:off x="14529318" y="13696896"/>
-            <a:ext cx="6126479" cy="7197381"/>
+            <a:off x="14529318" y="15277653"/>
+            <a:ext cx="6126479" cy="5637007"/>
           </a:xfrm>
           <a:prstGeom prst="rect">
             <a:avLst/>
@@ -5371,26 +5498,19 @@
               <a:rPr lang="fa-IR" sz="3600" dirty="0" smtClean="0">
                 <a:cs typeface="B Nazanin" panose="00000400000000000000" pitchFamily="2" charset="-78"/>
               </a:rPr>
-              <a:t> </a:t>
+              <a:t>آزمایشگاه </a:t>
             </a:r>
             <a:r>
               <a:rPr lang="fa-IR" sz="3600" dirty="0">
                 <a:cs typeface="B Nazanin" panose="00000400000000000000" pitchFamily="2" charset="-78"/>
               </a:rPr>
-              <a:t>آزمایشگاه طراحی مدار مجتمع دیجیتال</a:t>
-            </a:r>
-          </a:p>
-          <a:p>
-            <a:pPr algn="just" rtl="1">
-              <a:lnSpc>
-                <a:spcPct val="114000"/>
-              </a:lnSpc>
-            </a:pPr>
-            <a:r>
-              <a:rPr lang="fa-IR" sz="3600" dirty="0" smtClean="0">
-                <a:cs typeface="B Nazanin" panose="00000400000000000000" pitchFamily="2" charset="-78"/>
-              </a:rPr>
-              <a:t> </a:t>
+              <a:t>طراحی مدار مجتمع </a:t>
+            </a:r>
+            <a:r>
+              <a:rPr lang="fa-IR" sz="3600" dirty="0" smtClean="0">
+                <a:cs typeface="B Nazanin" panose="00000400000000000000" pitchFamily="2" charset="-78"/>
+              </a:rPr>
+              <a:t>دیجیتال</a:t>
             </a:r>
             <a:endParaRPr lang="fa-IR" sz="3600" dirty="0">
               <a:cs typeface="B Nazanin" panose="00000400000000000000" pitchFamily="2" charset="-78"/>
@@ -5408,7 +5528,13 @@
               <a:rPr lang="fa-IR" sz="3600" dirty="0" smtClean="0">
                 <a:cs typeface="B Nazanin" panose="00000400000000000000" pitchFamily="2" charset="-78"/>
               </a:rPr>
-              <a:t> نوع فعالیت: طراحی، شبیه سازی و پیاده سازی مدار های مجتمع دیجیتال با استفاده از زبان های توصیف سخت افزار و برد های </a:t>
+              <a:t>نوع </a:t>
+            </a:r>
+            <a:r>
+              <a:rPr lang="fa-IR" sz="3600" dirty="0" smtClean="0">
+                <a:cs typeface="B Nazanin" panose="00000400000000000000" pitchFamily="2" charset="-78"/>
+              </a:rPr>
+              <a:t>فعالیت: طراحی، شبیه سازی و پیاده سازی مدار های مجتمع دیجیتال با استفاده از زبان های توصیف سخت افزار و برد های </a:t>
             </a:r>
             <a:r>
               <a:rPr lang="en-US" sz="3600" dirty="0" smtClean="0">
@@ -5449,8 +5575,38 @@
         </p:blipFill>
         <p:spPr>
           <a:xfrm>
-            <a:off x="8033866" y="24686185"/>
+            <a:off x="8033866" y="23702589"/>
             <a:ext cx="5244572" cy="4315277"/>
+          </a:xfrm>
+          <a:prstGeom prst="rect">
+            <a:avLst/>
+          </a:prstGeom>
+        </p:spPr>
+      </p:pic>
+      <p:pic>
+        <p:nvPicPr>
+          <p:cNvPr id="12" name="Picture 11"/>
+          <p:cNvPicPr>
+            <a:picLocks noChangeAspect="1"/>
+          </p:cNvPicPr>
+          <p:nvPr/>
+        </p:nvPicPr>
+        <p:blipFill>
+          <a:blip r:embed="rId6" cstate="print">
+            <a:extLst>
+              <a:ext uri="{28A0092B-C50C-407E-A947-70E740481C1C}">
+                <a14:useLocalDpi xmlns:a14="http://schemas.microsoft.com/office/drawing/2010/main" val="0"/>
+              </a:ext>
+            </a:extLst>
+          </a:blip>
+          <a:stretch>
+            <a:fillRect/>
+          </a:stretch>
+        </p:blipFill>
+        <p:spPr>
+          <a:xfrm>
+            <a:off x="2470268" y="15405218"/>
+            <a:ext cx="2624213" cy="1381165"/>
           </a:xfrm>
           <a:prstGeom prst="rect">
             <a:avLst/>

--- a/Documents/Temporary_Documents/پوستر-کارآموزی.pptx
+++ b/Documents/Temporary_Documents/پوستر-کارآموزی.pptx
@@ -3014,7 +3014,19 @@
               <a:rPr lang="fa-IR" sz="3600" dirty="0" smtClean="0">
                 <a:cs typeface="B Nazanin" panose="00000400000000000000" pitchFamily="2" charset="-78"/>
               </a:rPr>
-              <a:t>ضرب کننده در الگوریتم پردازش تصویر و مقایسه نتیج با مقالات معتبر</a:t>
+              <a:t>ضرب کننده در الگوریتم پردازش تصویر و مقایسه </a:t>
+            </a:r>
+            <a:r>
+              <a:rPr lang="fa-IR" sz="3600" dirty="0" smtClean="0">
+                <a:cs typeface="B Nazanin" panose="00000400000000000000" pitchFamily="2" charset="-78"/>
+              </a:rPr>
+              <a:t>نتایج </a:t>
+            </a:r>
+            <a:r>
+              <a:rPr lang="fa-IR" sz="3600" dirty="0" smtClean="0">
+                <a:cs typeface="B Nazanin" panose="00000400000000000000" pitchFamily="2" charset="-78"/>
+              </a:rPr>
+              <a:t>با مقالات معتبر</a:t>
             </a:r>
           </a:p>
           <a:p>
@@ -3029,14 +3041,35 @@
               <a:rPr lang="fa-IR" sz="3600" dirty="0" smtClean="0">
                 <a:cs typeface="B Nazanin" panose="00000400000000000000" pitchFamily="2" charset="-78"/>
               </a:rPr>
-              <a:t>طراحی </a:t>
-            </a:r>
-            <a:r>
-              <a:rPr lang="fa-IR" sz="3600" dirty="0" smtClean="0">
-                <a:cs typeface="B Nazanin" panose="00000400000000000000" pitchFamily="2" charset="-78"/>
-              </a:rPr>
-              <a:t>و رسم بلوک دیاگرام پردازنده</a:t>
-            </a:r>
+              <a:t>طراحی پردازنده کامل با </a:t>
+            </a:r>
+            <a:r>
+              <a:rPr lang="fa-IR" sz="3600" dirty="0" smtClean="0">
+                <a:cs typeface="B Nazanin" panose="00000400000000000000" pitchFamily="2" charset="-78"/>
+              </a:rPr>
+              <a:t>استفاده از زبان توصیف سخ</a:t>
+            </a:r>
+            <a:r>
+              <a:rPr lang="fa-IR" sz="3600" dirty="0">
+                <a:cs typeface="B Nazanin" panose="00000400000000000000" pitchFamily="2" charset="-78"/>
+              </a:rPr>
+              <a:t>ت</a:t>
+            </a:r>
+            <a:r>
+              <a:rPr lang="fa-IR" sz="3600" dirty="0" smtClean="0">
+                <a:cs typeface="B Nazanin" panose="00000400000000000000" pitchFamily="2" charset="-78"/>
+              </a:rPr>
+              <a:t> فزار </a:t>
+            </a:r>
+            <a:r>
+              <a:rPr lang="en-US" sz="3600" dirty="0" smtClean="0">
+                <a:cs typeface="B Nazanin" panose="00000400000000000000" pitchFamily="2" charset="-78"/>
+              </a:rPr>
+              <a:t>Verilog</a:t>
+            </a:r>
+            <a:endParaRPr lang="fa-IR" sz="3600" dirty="0" smtClean="0">
+              <a:cs typeface="B Nazanin" panose="00000400000000000000" pitchFamily="2" charset="-78"/>
+            </a:endParaRPr>
           </a:p>
           <a:p>
             <a:pPr marL="228609" indent="-228609" algn="just" rtl="1">
@@ -3050,31 +3083,31 @@
               <a:rPr lang="fa-IR" sz="3600" dirty="0" smtClean="0">
                 <a:cs typeface="B Nazanin" panose="00000400000000000000" pitchFamily="2" charset="-78"/>
               </a:rPr>
-              <a:t>طراحی پردازنده کامل با </a:t>
-            </a:r>
-            <a:r>
-              <a:rPr lang="fa-IR" sz="3600" dirty="0" smtClean="0">
-                <a:cs typeface="B Nazanin" panose="00000400000000000000" pitchFamily="2" charset="-78"/>
-              </a:rPr>
-              <a:t>استفاده از زبان توصیف سخ</a:t>
-            </a:r>
-            <a:r>
-              <a:rPr lang="fa-IR" sz="3600" dirty="0">
-                <a:cs typeface="B Nazanin" panose="00000400000000000000" pitchFamily="2" charset="-78"/>
-              </a:rPr>
-              <a:t>ت</a:t>
-            </a:r>
-            <a:r>
-              <a:rPr lang="fa-IR" sz="3600" dirty="0" smtClean="0">
-                <a:cs typeface="B Nazanin" panose="00000400000000000000" pitchFamily="2" charset="-78"/>
-              </a:rPr>
-              <a:t> فزار </a:t>
+              <a:t>تطبیق </a:t>
+            </a:r>
+            <a:r>
+              <a:rPr lang="fa-IR" sz="3600" dirty="0" smtClean="0">
+                <a:cs typeface="B Nazanin" panose="00000400000000000000" pitchFamily="2" charset="-78"/>
+              </a:rPr>
+              <a:t>پردازنده با کامپایلر استاندارد </a:t>
             </a:r>
             <a:r>
               <a:rPr lang="en-US" sz="3600" dirty="0" smtClean="0">
                 <a:cs typeface="B Nazanin" panose="00000400000000000000" pitchFamily="2" charset="-78"/>
               </a:rPr>
-              <a:t>Verilog</a:t>
+              <a:t>GCC</a:t>
+            </a:r>
+            <a:r>
+              <a:rPr lang="fa-IR" sz="3600" dirty="0" smtClean="0">
+                <a:cs typeface="B Nazanin" panose="00000400000000000000" pitchFamily="2" charset="-78"/>
+              </a:rPr>
+              <a:t> برای اجرای برنامه به زبان </a:t>
+            </a:r>
+            <a:r>
+              <a:rPr lang="en-US" sz="3600" dirty="0" smtClean="0">
+                <a:cs typeface="B Nazanin" panose="00000400000000000000" pitchFamily="2" charset="-78"/>
+              </a:rPr>
+              <a:t>C</a:t>
             </a:r>
             <a:endParaRPr lang="fa-IR" sz="3600" dirty="0" smtClean="0">
               <a:cs typeface="B Nazanin" panose="00000400000000000000" pitchFamily="2" charset="-78"/>
@@ -3092,13 +3125,19 @@
               <a:rPr lang="fa-IR" sz="3600" dirty="0" smtClean="0">
                 <a:cs typeface="B Nazanin" panose="00000400000000000000" pitchFamily="2" charset="-78"/>
               </a:rPr>
-              <a:t>تست </a:t>
-            </a:r>
-            <a:r>
-              <a:rPr lang="fa-IR" sz="3600" dirty="0" smtClean="0">
-                <a:cs typeface="B Nazanin" panose="00000400000000000000" pitchFamily="2" charset="-78"/>
-              </a:rPr>
-              <a:t>و شبیه سازی پردازنده با اجرای برنامه های مختلف به زبان اسمبلی</a:t>
+              <a:t>طراحی و تولید یک نرم افزار کامل جهت اجرای برنامه کاربر به زبان </a:t>
+            </a:r>
+            <a:r>
+              <a:rPr lang="en-US" sz="3600" dirty="0" smtClean="0">
+                <a:cs typeface="B Nazanin" panose="00000400000000000000" pitchFamily="2" charset="-78"/>
+              </a:rPr>
+              <a:t>C</a:t>
+            </a:r>
+            <a:r>
+              <a:rPr lang="fa-IR" sz="3600" dirty="0" smtClean="0">
+                <a:cs typeface="B Nazanin" panose="00000400000000000000" pitchFamily="2" charset="-78"/>
+              </a:rPr>
+              <a:t> و اسمبلی روی پردازنده، منطبق با سیستم عامل های ویندوز و لینوکس</a:t>
             </a:r>
           </a:p>
           <a:p>
@@ -3111,81 +3150,6 @@
             </a:pPr>
             <a:r>
               <a:rPr lang="fa-IR" sz="3600" dirty="0" smtClean="0">
-                <a:cs typeface="B Nazanin" panose="00000400000000000000" pitchFamily="2" charset="-78"/>
-              </a:rPr>
-              <a:t>تطبیق </a:t>
-            </a:r>
-            <a:r>
-              <a:rPr lang="fa-IR" sz="3600" dirty="0" smtClean="0">
-                <a:cs typeface="B Nazanin" panose="00000400000000000000" pitchFamily="2" charset="-78"/>
-              </a:rPr>
-              <a:t>پردازنده با کامپایلر استاندارد </a:t>
-            </a:r>
-            <a:r>
-              <a:rPr lang="en-US" sz="3600" dirty="0" smtClean="0">
-                <a:cs typeface="B Nazanin" panose="00000400000000000000" pitchFamily="2" charset="-78"/>
-              </a:rPr>
-              <a:t>GCC</a:t>
-            </a:r>
-            <a:r>
-              <a:rPr lang="fa-IR" sz="3600" dirty="0" smtClean="0">
-                <a:cs typeface="B Nazanin" panose="00000400000000000000" pitchFamily="2" charset="-78"/>
-              </a:rPr>
-              <a:t> برای اجرای برنامه به زبان </a:t>
-            </a:r>
-            <a:r>
-              <a:rPr lang="en-US" sz="3600" dirty="0" smtClean="0">
-                <a:cs typeface="B Nazanin" panose="00000400000000000000" pitchFamily="2" charset="-78"/>
-              </a:rPr>
-              <a:t>C</a:t>
-            </a:r>
-            <a:endParaRPr lang="fa-IR" sz="3600" dirty="0">
-              <a:cs typeface="B Nazanin" panose="00000400000000000000" pitchFamily="2" charset="-78"/>
-            </a:endParaRPr>
-          </a:p>
-          <a:p>
-            <a:pPr marL="228609" indent="-228609" algn="just" rtl="1">
-              <a:lnSpc>
-                <a:spcPct val="114000"/>
-              </a:lnSpc>
-              <a:buFont typeface="Arial" panose="020B0604020202020204" pitchFamily="34" charset="0"/>
-              <a:buChar char="•"/>
-            </a:pPr>
-            <a:r>
-              <a:rPr lang="fa-IR" sz="3600" dirty="0" smtClean="0">
-                <a:cs typeface="B Nazanin" panose="00000400000000000000" pitchFamily="2" charset="-78"/>
-              </a:rPr>
-              <a:t>طراحی </a:t>
-            </a:r>
-            <a:r>
-              <a:rPr lang="fa-IR" sz="3600" dirty="0" smtClean="0">
-                <a:cs typeface="B Nazanin" panose="00000400000000000000" pitchFamily="2" charset="-78"/>
-              </a:rPr>
-              <a:t>و تولید یک نرم افزار کامل جهت اجرای برنامه کاربر به زبان </a:t>
-            </a:r>
-            <a:r>
-              <a:rPr lang="en-US" sz="3600" dirty="0" smtClean="0">
-                <a:cs typeface="B Nazanin" panose="00000400000000000000" pitchFamily="2" charset="-78"/>
-              </a:rPr>
-              <a:t>C</a:t>
-            </a:r>
-            <a:r>
-              <a:rPr lang="fa-IR" sz="3600" dirty="0" smtClean="0">
-                <a:cs typeface="B Nazanin" panose="00000400000000000000" pitchFamily="2" charset="-78"/>
-              </a:rPr>
-              <a:t> و اسمبلی روی پردازنده، منطبق با سیستم عامل های ویندوز و لینوکس</a:t>
-            </a:r>
-          </a:p>
-          <a:p>
-            <a:pPr marL="228609" indent="-228609" algn="just" rtl="1">
-              <a:lnSpc>
-                <a:spcPct val="114000"/>
-              </a:lnSpc>
-              <a:buFont typeface="Arial" panose="020B0604020202020204" pitchFamily="34" charset="0"/>
-              <a:buChar char="•"/>
-            </a:pPr>
-            <a:r>
-              <a:rPr lang="fa-IR" sz="3600" dirty="0">
                 <a:cs typeface="B Nazanin" panose="00000400000000000000" pitchFamily="2" charset="-78"/>
               </a:rPr>
               <a:t> </a:t>
@@ -5605,8 +5569,8 @@
         </p:blipFill>
         <p:spPr>
           <a:xfrm>
-            <a:off x="2470268" y="15405218"/>
-            <a:ext cx="2624213" cy="1381165"/>
+            <a:off x="609583" y="13524187"/>
+            <a:ext cx="6395793" cy="3366207"/>
           </a:xfrm>
           <a:prstGeom prst="rect">
             <a:avLst/>

--- a/Documents/Temporary_Documents/پوستر-کارآموزی.pptx
+++ b/Documents/Temporary_Documents/پوستر-کارآموزی.pptx
@@ -2254,7 +2254,7 @@
         </p:nvGrpSpPr>
         <p:grpSpPr>
           <a:xfrm>
-            <a:off x="428151" y="3036293"/>
+            <a:off x="428151" y="3118159"/>
             <a:ext cx="20565596" cy="26633102"/>
             <a:chOff x="428151" y="3337840"/>
             <a:chExt cx="20565596" cy="26633102"/>
@@ -2295,6 +2295,13 @@
                 <a:noFill/>
               </a:ln>
             </p:spPr>
+            <p:txBody>
+              <a:bodyPr/>
+              <a:lstStyle/>
+              <a:p>
+                <a:endParaRPr lang="en-US"/>
+              </a:p>
+            </p:txBody>
           </p:sp>
           <p:sp>
             <p:nvSpPr>
@@ -2317,6 +2324,13 @@
                 <a:noFill/>
               </a:ln>
             </p:spPr>
+            <p:txBody>
+              <a:bodyPr/>
+              <a:lstStyle/>
+              <a:p>
+                <a:endParaRPr lang="en-US"/>
+              </a:p>
+            </p:txBody>
           </p:sp>
         </p:grpSp>
         <p:grpSp>
@@ -2354,6 +2368,13 @@
                 <a:noFill/>
               </a:ln>
             </p:spPr>
+            <p:txBody>
+              <a:bodyPr/>
+              <a:lstStyle/>
+              <a:p>
+                <a:endParaRPr lang="en-US"/>
+              </a:p>
+            </p:txBody>
           </p:sp>
           <p:sp>
             <p:nvSpPr>
@@ -2409,6 +2430,13 @@
                 <a:noFill/>
               </a:ln>
             </p:spPr>
+            <p:txBody>
+              <a:bodyPr/>
+              <a:lstStyle/>
+              <a:p>
+                <a:endParaRPr lang="en-US"/>
+              </a:p>
+            </p:txBody>
           </p:sp>
         </p:grpSp>
         <p:grpSp>
@@ -2446,6 +2474,13 @@
                 <a:noFill/>
               </a:ln>
             </p:spPr>
+            <p:txBody>
+              <a:bodyPr/>
+              <a:lstStyle/>
+              <a:p>
+                <a:endParaRPr lang="en-US"/>
+              </a:p>
+            </p:txBody>
           </p:sp>
           <p:sp>
             <p:nvSpPr>
@@ -2468,6 +2503,13 @@
                 <a:noFill/>
               </a:ln>
             </p:spPr>
+            <p:txBody>
+              <a:bodyPr/>
+              <a:lstStyle/>
+              <a:p>
+                <a:endParaRPr lang="en-US"/>
+              </a:p>
+            </p:txBody>
           </p:sp>
           <p:sp>
             <p:nvSpPr>
@@ -2490,6 +2532,13 @@
                 <a:noFill/>
               </a:ln>
             </p:spPr>
+            <p:txBody>
+              <a:bodyPr/>
+              <a:lstStyle/>
+              <a:p>
+                <a:endParaRPr lang="en-US"/>
+              </a:p>
+            </p:txBody>
           </p:sp>
         </p:grpSp>
       </p:grpSp>
@@ -2524,40 +2573,10 @@
               <a:buChar char="•"/>
             </a:pPr>
             <a:r>
-              <a:rPr lang="fa-IR" sz="3600" dirty="0" smtClean="0">
+              <a:rPr lang="fa-IR" sz="3600" dirty="0">
                 <a:cs typeface="B Nazanin" panose="00000400000000000000" pitchFamily="2" charset="-78"/>
               </a:rPr>
-              <a:t>محاسبات </a:t>
-            </a:r>
-            <a:r>
-              <a:rPr lang="fa-IR" sz="3600" dirty="0" smtClean="0">
-                <a:cs typeface="B Nazanin" panose="00000400000000000000" pitchFamily="2" charset="-78"/>
-              </a:rPr>
-              <a:t>تقریبی، موضوع جدید و مورد بحثی در طراحی دیجیتال می‌باشد که هدف از بررسی و تحقیق در این زمینه، بهبود سرعت، مساحت و توان مصرفی طرح های دیجیتال مورد استفاده در واحد های پردازشگر می‌باشد. با جایگزینی واحد های محاسباتی تقریبی با میزان خطای منطقی و قابل قبول، به جای واحد های محاسباتی دقیق ما به </a:t>
-            </a:r>
-            <a:r>
-              <a:rPr lang="fa-IR" sz="3600" dirty="0" smtClean="0">
-                <a:cs typeface="B Nazanin" panose="00000400000000000000" pitchFamily="2" charset="-78"/>
-              </a:rPr>
-              <a:t>مزایایی مانند </a:t>
-            </a:r>
-            <a:r>
-              <a:rPr lang="fa-IR" sz="3600" dirty="0" smtClean="0">
-                <a:cs typeface="B Nazanin" panose="00000400000000000000" pitchFamily="2" charset="-78"/>
-              </a:rPr>
-              <a:t>سرعت </a:t>
-            </a:r>
-            <a:r>
-              <a:rPr lang="fa-IR" sz="3600" dirty="0" smtClean="0">
-                <a:cs typeface="B Nazanin" panose="00000400000000000000" pitchFamily="2" charset="-78"/>
-              </a:rPr>
-              <a:t>بیشتر و </a:t>
-            </a:r>
-            <a:r>
-              <a:rPr lang="fa-IR" sz="3600" dirty="0" smtClean="0">
-                <a:cs typeface="B Nazanin" panose="00000400000000000000" pitchFamily="2" charset="-78"/>
-              </a:rPr>
-              <a:t>یا توان مصرفی کمتر دست پیدا می‌کنیم. بعد از مطالعه مقالات متعدد و تحقیقات در رابطه با عملیات های ریاضی تقریبی که این روزه در پردازنده ها و واحد های پردازشگر هوش مصنوعی و پردازش تصویر استفاده می‌شود، ما اقدام به بهبود یکی از طرح های ارائه شده در مقاله ای بین المللی کردیم و حاصل آن طراحی ضرب کننده جدیدی شد که میزان خطای آن توسط کاربر قابل کنترل می‌باشد.</a:t>
+              <a:t>محاسبات تقریبی، موضوع جدید و مورد بحثی در طراحی دیجیتال می‌باشد که هدف از بررسی و تحقیق در این زمینه، بهبود سرعت، مساحت و توان مصرفی طرح های دیجیتال مورد استفاده در واحد های پردازشگر می‌باشد. با جایگزینی واحد های محاسباتی تقریبی با میزان خطای قابل قبول، به جای واحد های محاسباتی دقیق میتوان به مزایایی مانند سرعت بیشتر و یا توان مصرفی کمتر دست یافت. پس از مطالعه مقالات متعدد و تحقیقات در رابطه با عملیات های ریاضی تقریبی که امروزه در پردازنده ها و واحد های پردازشگر شتابدهنده های هوش مصنوعی و پردازش تصویر استفاده می‌شود، اقدام به بهبود یکی از طرح های ارائه شده در مقاله ای بین المللی شد و حاصل آن طراحی ضرب کننده جدیدی بود که میزان خطای آن قابل کنترل می‌باشد.</a:t>
             </a:r>
           </a:p>
           <a:p>
@@ -2569,80 +2588,37 @@
               <a:buChar char="•"/>
             </a:pPr>
             <a:r>
-              <a:rPr lang="fa-IR" sz="3600" dirty="0" smtClean="0">
+              <a:rPr lang="fa-IR" sz="3600" dirty="0">
                 <a:cs typeface="B Nazanin" panose="00000400000000000000" pitchFamily="2" charset="-78"/>
               </a:rPr>
-              <a:t>بعد </a:t>
-            </a:r>
-            <a:r>
-              <a:rPr lang="fa-IR" sz="3600" dirty="0" smtClean="0">
+              <a:t>بعد از طراحی ضرب کننده، طراحی یک پروسسور 32 بیتی با معماری </a:t>
+            </a:r>
+            <a:r>
+              <a:rPr lang="en-US" sz="3600" dirty="0">
+                <a:latin typeface="Times New Roman" panose="02020603050405020304" pitchFamily="18" charset="0"/>
+                <a:cs typeface="Times New Roman" panose="02020603050405020304" pitchFamily="18" charset="0"/>
+              </a:rPr>
+              <a:t>RISC-V</a:t>
+            </a:r>
+            <a:r>
+              <a:rPr lang="fa-IR" sz="3600" dirty="0">
                 <a:cs typeface="B Nazanin" panose="00000400000000000000" pitchFamily="2" charset="-78"/>
               </a:rPr>
-              <a:t>از طراحی ضرب کننده</a:t>
-            </a:r>
-            <a:r>
-              <a:rPr lang="fa-IR" sz="3600" dirty="0" smtClean="0">
+              <a:t> آغاز گردید که از مزایای طراحی ماژولار، پایپلاین 5 مرحله ای و واحد کنترل غیر متمرکز بهره‌ مند می‌باشد. پردازنده طراحی شده با تکنولوژی 0/18 میکرون </a:t>
+            </a:r>
+            <a:r>
+              <a:rPr lang="en-US" sz="3600" dirty="0">
+                <a:latin typeface="Times New Roman" panose="02020603050405020304" pitchFamily="18" charset="0"/>
+                <a:cs typeface="Times New Roman" panose="02020603050405020304" pitchFamily="18" charset="0"/>
+              </a:rPr>
+              <a:t>TSMC</a:t>
+            </a:r>
+            <a:r>
+              <a:rPr lang="fa-IR" sz="3600" dirty="0">
                 <a:cs typeface="B Nazanin" panose="00000400000000000000" pitchFamily="2" charset="-78"/>
               </a:rPr>
-              <a:t>، </a:t>
-            </a:r>
-            <a:r>
-              <a:rPr lang="fa-IR" sz="3600" dirty="0" smtClean="0">
-                <a:cs typeface="B Nazanin" panose="00000400000000000000" pitchFamily="2" charset="-78"/>
-              </a:rPr>
-              <a:t>طراحی یک پروسسور 32 بیتی با معماری </a:t>
-            </a:r>
-            <a:r>
-              <a:rPr lang="en-US" sz="3600" dirty="0" smtClean="0">
-                <a:cs typeface="B Nazanin" panose="00000400000000000000" pitchFamily="2" charset="-78"/>
-              </a:rPr>
-              <a:t>RISC-V</a:t>
-            </a:r>
-            <a:r>
-              <a:rPr lang="fa-IR" sz="3600" dirty="0" smtClean="0">
-                <a:cs typeface="B Nazanin" panose="00000400000000000000" pitchFamily="2" charset="-78"/>
-              </a:rPr>
-              <a:t> </a:t>
-            </a:r>
-            <a:r>
-              <a:rPr lang="fa-IR" sz="3600" dirty="0" smtClean="0">
-                <a:cs typeface="B Nazanin" panose="00000400000000000000" pitchFamily="2" charset="-78"/>
-              </a:rPr>
-              <a:t>آغاز گردید</a:t>
-            </a:r>
-            <a:r>
-              <a:rPr lang="fa-IR" sz="3600" dirty="0" smtClean="0">
-                <a:cs typeface="B Nazanin" panose="00000400000000000000" pitchFamily="2" charset="-78"/>
-              </a:rPr>
-              <a:t> </a:t>
-            </a:r>
-            <a:r>
-              <a:rPr lang="fa-IR" sz="3600" dirty="0" smtClean="0">
-                <a:cs typeface="B Nazanin" panose="00000400000000000000" pitchFamily="2" charset="-78"/>
-              </a:rPr>
-              <a:t>که از مزیای طراحی ماژولار، پایپلاین 5 مرحله ای و واحد کنترل غیر متمرکز </a:t>
-            </a:r>
-            <a:r>
-              <a:rPr lang="fa-IR" sz="3600" dirty="0" smtClean="0">
-                <a:cs typeface="B Nazanin" panose="00000400000000000000" pitchFamily="2" charset="-78"/>
-              </a:rPr>
-              <a:t>بهره‌ مند می‌باشد. پردازنده طراحی شده با تکنولوژی 0.18 میکرون </a:t>
-            </a:r>
-            <a:r>
-              <a:rPr lang="en-US" sz="3600" dirty="0" smtClean="0">
-                <a:cs typeface="B Nazanin" panose="00000400000000000000" pitchFamily="2" charset="-78"/>
-              </a:rPr>
-              <a:t>TSMC</a:t>
-            </a:r>
-            <a:r>
-              <a:rPr lang="fa-IR" sz="3600" dirty="0" smtClean="0">
-                <a:cs typeface="B Nazanin" panose="00000400000000000000" pitchFamily="2" charset="-78"/>
-              </a:rPr>
               <a:t> فرکانس کاری 250 مگاهرتز را دارا می‌باشد، که در مقایسه با پردازنده های میکروکنترلری و سیستم های نهفته هم ردیف خود عدد بسیار خوبی است.</a:t>
             </a:r>
-            <a:endParaRPr lang="fa-IR" sz="3600" dirty="0" smtClean="0">
-              <a:cs typeface="B Nazanin" panose="00000400000000000000" pitchFamily="2" charset="-78"/>
-            </a:endParaRPr>
           </a:p>
           <a:p>
             <a:pPr marL="228609" indent="-228609" algn="just" rtl="1">
@@ -2981,20 +2957,11 @@
               <a:buChar char="•"/>
             </a:pPr>
             <a:r>
-              <a:rPr lang="fa-IR" sz="3600" dirty="0" smtClean="0">
+              <a:rPr lang="fa-IR" sz="3600" dirty="0">
                 <a:cs typeface="B Nazanin" panose="00000400000000000000" pitchFamily="2" charset="-78"/>
               </a:rPr>
-              <a:t>طراحی </a:t>
-            </a:r>
-            <a:r>
-              <a:rPr lang="fa-IR" sz="3600" dirty="0" smtClean="0">
-                <a:cs typeface="B Nazanin" panose="00000400000000000000" pitchFamily="2" charset="-78"/>
-              </a:rPr>
-              <a:t>مدار ضرب کننده تقریبی با خطای قابل کنترل</a:t>
-            </a:r>
-            <a:endParaRPr lang="fa-IR" sz="3600" dirty="0">
-              <a:cs typeface="B Nazanin" panose="00000400000000000000" pitchFamily="2" charset="-78"/>
-            </a:endParaRPr>
+              <a:t>طراحی مدار ضرب کننده تقریبی با خطای قابل کنترل و بررسی عملکرد آن در الگوریتم پردازش تصویر و مقایسه نتایج با طرح های موجود</a:t>
+            </a:r>
           </a:p>
           <a:p>
             <a:pPr marL="228609" indent="-228609" algn="just" rtl="1">
@@ -3005,29 +2972,22 @@
               <a:buChar char="•"/>
             </a:pPr>
             <a:r>
-              <a:rPr lang="fa-IR" sz="3600" dirty="0" smtClean="0">
+              <a:rPr lang="fa-IR" sz="3600" dirty="0">
                 <a:cs typeface="B Nazanin" panose="00000400000000000000" pitchFamily="2" charset="-78"/>
               </a:rPr>
-              <a:t>بررسی </a:t>
-            </a:r>
-            <a:r>
-              <a:rPr lang="fa-IR" sz="3600" dirty="0" smtClean="0">
-                <a:cs typeface="B Nazanin" panose="00000400000000000000" pitchFamily="2" charset="-78"/>
-              </a:rPr>
-              <a:t>ضرب کننده در الگوریتم پردازش تصویر و مقایسه </a:t>
-            </a:r>
-            <a:r>
-              <a:rPr lang="fa-IR" sz="3600" dirty="0" smtClean="0">
-                <a:cs typeface="B Nazanin" panose="00000400000000000000" pitchFamily="2" charset="-78"/>
-              </a:rPr>
-              <a:t>نتایج </a:t>
-            </a:r>
-            <a:r>
-              <a:rPr lang="fa-IR" sz="3600" dirty="0" smtClean="0">
-                <a:cs typeface="B Nazanin" panose="00000400000000000000" pitchFamily="2" charset="-78"/>
-              </a:rPr>
-              <a:t>با مقالات معتبر</a:t>
-            </a:r>
+              <a:t>طراحی پردازنده کامل با استفاده از زبان توصیف سخت افزار </a:t>
+            </a:r>
+            <a:r>
+              <a:rPr lang="en-US" sz="3600" dirty="0">
+                <a:latin typeface="Times New Roman" panose="02020603050405020304" pitchFamily="18" charset="0"/>
+                <a:cs typeface="Times New Roman" panose="02020603050405020304" pitchFamily="18" charset="0"/>
+              </a:rPr>
+              <a:t>Verilog</a:t>
+            </a:r>
+            <a:endParaRPr lang="fa-IR" sz="3600" dirty="0">
+              <a:latin typeface="Times New Roman" panose="02020603050405020304" pitchFamily="18" charset="0"/>
+              <a:cs typeface="Times New Roman" panose="02020603050405020304" pitchFamily="18" charset="0"/>
+            </a:endParaRPr>
           </a:p>
           <a:p>
             <a:pPr marL="228609" indent="-228609" algn="just" rtl="1">
@@ -3038,37 +2998,34 @@
               <a:buChar char="•"/>
             </a:pPr>
             <a:r>
-              <a:rPr lang="fa-IR" sz="3600" dirty="0" smtClean="0">
-                <a:cs typeface="B Nazanin" panose="00000400000000000000" pitchFamily="2" charset="-78"/>
-              </a:rPr>
-              <a:t>طراحی پردازنده کامل با </a:t>
-            </a:r>
-            <a:r>
-              <a:rPr lang="fa-IR" sz="3600" dirty="0" smtClean="0">
-                <a:cs typeface="B Nazanin" panose="00000400000000000000" pitchFamily="2" charset="-78"/>
-              </a:rPr>
-              <a:t>استفاده از زبان توصیف سخ</a:t>
-            </a:r>
-            <a:r>
               <a:rPr lang="fa-IR" sz="3600" dirty="0">
                 <a:cs typeface="B Nazanin" panose="00000400000000000000" pitchFamily="2" charset="-78"/>
               </a:rPr>
-              <a:t>ت</a:t>
-            </a:r>
-            <a:r>
-              <a:rPr lang="fa-IR" sz="3600" dirty="0" smtClean="0">
+              <a:t>تطبیق پردازنده با کامپایلر استاندارد </a:t>
+            </a:r>
+            <a:r>
+              <a:rPr lang="en-US" sz="3600" dirty="0">
+                <a:latin typeface="Times New Roman" panose="02020603050405020304" pitchFamily="18" charset="0"/>
+                <a:cs typeface="Times New Roman" panose="02020603050405020304" pitchFamily="18" charset="0"/>
+              </a:rPr>
+              <a:t>GCC</a:t>
+            </a:r>
+            <a:r>
+              <a:rPr lang="fa-IR" sz="3600" dirty="0">
                 <a:cs typeface="B Nazanin" panose="00000400000000000000" pitchFamily="2" charset="-78"/>
               </a:rPr>
-              <a:t> فزار </a:t>
-            </a:r>
-            <a:r>
-              <a:rPr lang="en-US" sz="3600" dirty="0" smtClean="0">
-                <a:cs typeface="B Nazanin" panose="00000400000000000000" pitchFamily="2" charset="-78"/>
-              </a:rPr>
-              <a:t>Verilog</a:t>
-            </a:r>
-            <a:endParaRPr lang="fa-IR" sz="3600" dirty="0" smtClean="0">
-              <a:cs typeface="B Nazanin" panose="00000400000000000000" pitchFamily="2" charset="-78"/>
+              <a:t> برای اجرای برنامه به زبان </a:t>
+            </a:r>
+            <a:r>
+              <a:rPr lang="en-US" sz="3600" dirty="0">
+                <a:latin typeface="Times New Roman" panose="02020603050405020304" pitchFamily="18" charset="0"/>
+                <a:cs typeface="Times New Roman" panose="02020603050405020304" pitchFamily="18" charset="0"/>
+              </a:rPr>
+              <a:t>C</a:t>
+            </a:r>
+            <a:endParaRPr lang="fa-IR" sz="3600" dirty="0">
+              <a:latin typeface="Times New Roman" panose="02020603050405020304" pitchFamily="18" charset="0"/>
+              <a:cs typeface="Times New Roman" panose="02020603050405020304" pitchFamily="18" charset="0"/>
             </a:endParaRPr>
           </a:p>
           <a:p>
@@ -3080,38 +3037,11 @@
               <a:buChar char="•"/>
             </a:pPr>
             <a:r>
-              <a:rPr lang="fa-IR" sz="3600" dirty="0" smtClean="0">
+              <a:rPr lang="fa-IR" sz="3600" dirty="0">
                 <a:cs typeface="B Nazanin" panose="00000400000000000000" pitchFamily="2" charset="-78"/>
               </a:rPr>
-              <a:t>تطبیق </a:t>
-            </a:r>
-            <a:r>
-              <a:rPr lang="fa-IR" sz="3600" dirty="0" smtClean="0">
-                <a:cs typeface="B Nazanin" panose="00000400000000000000" pitchFamily="2" charset="-78"/>
-              </a:rPr>
-              <a:t>پردازنده با کامپایلر استاندارد </a:t>
-            </a:r>
-            <a:r>
-              <a:rPr lang="en-US" sz="3600" dirty="0" smtClean="0">
-                <a:cs typeface="B Nazanin" panose="00000400000000000000" pitchFamily="2" charset="-78"/>
-              </a:rPr>
-              <a:t>GCC</a:t>
-            </a:r>
-            <a:r>
-              <a:rPr lang="fa-IR" sz="3600" dirty="0" smtClean="0">
-                <a:cs typeface="B Nazanin" panose="00000400000000000000" pitchFamily="2" charset="-78"/>
-              </a:rPr>
-              <a:t> برای اجرای برنامه به زبان </a:t>
-            </a:r>
-            <a:r>
-              <a:rPr lang="en-US" sz="3600" dirty="0" smtClean="0">
-                <a:cs typeface="B Nazanin" panose="00000400000000000000" pitchFamily="2" charset="-78"/>
-              </a:rPr>
-              <a:t>C</a:t>
-            </a:r>
-            <a:endParaRPr lang="fa-IR" sz="3600" dirty="0" smtClean="0">
-              <a:cs typeface="B Nazanin" panose="00000400000000000000" pitchFamily="2" charset="-78"/>
-            </a:endParaRPr>
+              <a:t>طراحی و تولید یک نرم افزار کامل جهت اجرای برنامه کاربر روی پردازنده، منطبق با سیستم عامل های ویندوز و لینوکس</a:t>
+            </a:r>
           </a:p>
           <a:p>
             <a:pPr marL="228609" indent="-228609" algn="just" rtl="1">
@@ -3122,47 +3052,11 @@
               <a:buChar char="•"/>
             </a:pPr>
             <a:r>
-              <a:rPr lang="fa-IR" sz="3600" dirty="0" smtClean="0">
+              <a:rPr lang="fa-IR" sz="3600" dirty="0">
                 <a:cs typeface="B Nazanin" panose="00000400000000000000" pitchFamily="2" charset="-78"/>
               </a:rPr>
-              <a:t>طراحی و تولید یک نرم افزار کامل جهت اجرای برنامه کاربر به زبان </a:t>
-            </a:r>
-            <a:r>
-              <a:rPr lang="en-US" sz="3600" dirty="0" smtClean="0">
-                <a:cs typeface="B Nazanin" panose="00000400000000000000" pitchFamily="2" charset="-78"/>
-              </a:rPr>
-              <a:t>C</a:t>
-            </a:r>
-            <a:r>
-              <a:rPr lang="fa-IR" sz="3600" dirty="0" smtClean="0">
-                <a:cs typeface="B Nazanin" panose="00000400000000000000" pitchFamily="2" charset="-78"/>
-              </a:rPr>
-              <a:t> و اسمبلی روی پردازنده، منطبق با سیستم عامل های ویندوز و لینوکس</a:t>
-            </a:r>
-          </a:p>
-          <a:p>
-            <a:pPr marL="228609" indent="-228609" algn="just" rtl="1">
-              <a:lnSpc>
-                <a:spcPct val="114000"/>
-              </a:lnSpc>
-              <a:buFont typeface="Arial" panose="020B0604020202020204" pitchFamily="34" charset="0"/>
-              <a:buChar char="•"/>
-            </a:pPr>
-            <a:r>
-              <a:rPr lang="fa-IR" sz="3600" dirty="0" smtClean="0">
-                <a:cs typeface="B Nazanin" panose="00000400000000000000" pitchFamily="2" charset="-78"/>
-              </a:rPr>
-              <a:t> </a:t>
-            </a:r>
-            <a:r>
-              <a:rPr lang="fa-IR" sz="3600" dirty="0" smtClean="0">
-                <a:cs typeface="B Nazanin" panose="00000400000000000000" pitchFamily="2" charset="-78"/>
-              </a:rPr>
-              <a:t>سنتز، چیدمان و رسم اتصالات نهایی جهت طراحی فیزیکی تراشه ریزپردازنده</a:t>
-            </a:r>
-            <a:endParaRPr lang="fa-IR" sz="3600" dirty="0">
-              <a:cs typeface="B Nazanin" panose="00000400000000000000" pitchFamily="2" charset="-78"/>
-            </a:endParaRPr>
+              <a:t> سنتز، چیدمان و رسم اتصالات نهایی جهت طراحی فیزیکی تراشه ریزپردازنده</a:t>
+            </a:r>
           </a:p>
         </p:txBody>
       </p:sp>
@@ -3426,6 +3320,13 @@
               <a:noFill/>
             </a:ln>
           </p:spPr>
+          <p:txBody>
+            <a:bodyPr/>
+            <a:lstStyle/>
+            <a:p>
+              <a:endParaRPr lang="en-US"/>
+            </a:p>
+          </p:txBody>
         </p:sp>
         <p:sp>
           <p:nvSpPr>
@@ -3452,21 +3353,6 @@
             <a:p>
               <a:pPr algn="ctr" rtl="1"/>
               <a:r>
-                <a:rPr lang="fa-IR" sz="5400" dirty="0" smtClean="0">
-                  <a:solidFill>
-                    <a:schemeClr val="bg1"/>
-                  </a:solidFill>
-                  <a:effectLst>
-                    <a:outerShdw blurRad="38100" dist="38100" dir="2700000" algn="tl">
-                      <a:srgbClr val="000000"/>
-                    </a:outerShdw>
-                  </a:effectLst>
-                  <a:latin typeface="Impact" panose="020B0806030902050204" pitchFamily="34" charset="0"/>
-                  <a:cs typeface="B Titr" panose="00000700000000000000" pitchFamily="2" charset="-78"/>
-                </a:rPr>
-                <a:t>طراحی پردازنده</a:t>
-              </a:r>
-              <a:r>
                 <a:rPr lang="fa-IR" sz="5400" dirty="0">
                   <a:solidFill>
                     <a:schemeClr val="bg1"/>
@@ -3479,25 +3365,10 @@
                   <a:latin typeface="Impact" panose="020B0806030902050204" pitchFamily="34" charset="0"/>
                   <a:cs typeface="B Titr" panose="00000700000000000000" pitchFamily="2" charset="-78"/>
                 </a:rPr>
-                <a:t> </a:t>
+                <a:t>طراحی پردازنده 32 بیتی با معماری </a:t>
               </a:r>
               <a:r>
-                <a:rPr lang="fa-IR" sz="5400" dirty="0" smtClean="0">
-                  <a:solidFill>
-                    <a:schemeClr val="bg1"/>
-                  </a:solidFill>
-                  <a:effectLst>
-                    <a:outerShdw blurRad="38100" dist="38100" dir="2700000" algn="tl">
-                      <a:srgbClr val="000000"/>
-                    </a:outerShdw>
-                  </a:effectLst>
-                  <a:latin typeface="Impact" panose="020B0806030902050204" pitchFamily="34" charset="0"/>
-                  <a:cs typeface="B Titr" panose="00000700000000000000" pitchFamily="2" charset="-78"/>
-                </a:rPr>
-                <a:t>32 بیتی با معماری </a:t>
-              </a:r>
-              <a:r>
-                <a:rPr lang="en-US" sz="5400" dirty="0" smtClean="0">
+                <a:rPr lang="en-US" sz="5400" dirty="0">
                   <a:solidFill>
                     <a:schemeClr val="bg1"/>
                   </a:solidFill>
@@ -3569,34 +3440,7 @@
                   </a:solidFill>
                   <a:cs typeface="B Nazanin" panose="00000400000000000000" pitchFamily="2" charset="-78"/>
                 </a:rPr>
-                <a:t>نام </a:t>
-              </a:r>
-              <a:r>
-                <a:rPr lang="fa-IR" sz="3600" b="1" dirty="0" smtClean="0">
-                  <a:solidFill>
-                    <a:schemeClr val="bg1"/>
-                  </a:solidFill>
-                  <a:cs typeface="B Nazanin" panose="00000400000000000000" pitchFamily="2" charset="-78"/>
-                </a:rPr>
-                <a:t>دانشجو: آروین دلاوری                        </a:t>
-              </a:r>
-              <a:r>
-                <a:rPr lang="fa-IR" sz="3600" b="1" dirty="0">
-                  <a:solidFill>
-                    <a:schemeClr val="bg1"/>
-                  </a:solidFill>
-                  <a:cs typeface="B Nazanin" panose="00000400000000000000" pitchFamily="2" charset="-78"/>
-                </a:rPr>
-                <a:t>نام استاد </a:t>
-              </a:r>
-              <a:r>
-                <a:rPr lang="fa-IR" sz="3600" b="1" dirty="0" smtClean="0">
-                  <a:solidFill>
-                    <a:schemeClr val="bg1"/>
-                  </a:solidFill>
-                  <a:cs typeface="B Nazanin" panose="00000400000000000000" pitchFamily="2" charset="-78"/>
-                </a:rPr>
-                <a:t>کارآموزی: دکتر میرزاکوچکی</a:t>
+                <a:t>نام دانشجو: آروین دلاوری                        نام استاد کارآموزی: دکتر میرزاکوچکی</a:t>
               </a:r>
               <a:endParaRPr lang="en-US" sz="3600" b="1" dirty="0">
                 <a:solidFill>
@@ -3628,6 +3472,13 @@
               <a:noFill/>
             </a:ln>
           </p:spPr>
+          <p:txBody>
+            <a:bodyPr/>
+            <a:lstStyle/>
+            <a:p>
+              <a:endParaRPr lang="en-US"/>
+            </a:p>
+          </p:txBody>
         </p:sp>
         <p:pic>
           <p:nvPicPr>
@@ -3738,6 +3589,13 @@
               <a:noFill/>
             </a:ln>
           </p:spPr>
+          <p:txBody>
+            <a:bodyPr/>
+            <a:lstStyle/>
+            <a:p>
+              <a:endParaRPr lang="en-US"/>
+            </a:p>
+          </p:txBody>
         </p:sp>
       </p:grpSp>
       <p:grpSp>
@@ -3748,7 +3606,7 @@
         </p:nvGrpSpPr>
         <p:grpSpPr>
           <a:xfrm>
-            <a:off x="719135" y="17233257"/>
+            <a:off x="719135" y="17725925"/>
             <a:ext cx="6126480" cy="731520"/>
             <a:chOff x="30117740" y="7058350"/>
             <a:chExt cx="10563480" cy="1021753"/>
@@ -3952,17 +3810,8 @@
               <a:rPr lang="fa-IR" sz="3600" dirty="0">
                 <a:cs typeface="B Nazanin" panose="00000400000000000000" pitchFamily="2" charset="-78"/>
               </a:rPr>
-              <a:t>1- </a:t>
-            </a:r>
-            <a:r>
-              <a:rPr lang="fa-IR" sz="3600" dirty="0" smtClean="0">
-                <a:cs typeface="B Nazanin" panose="00000400000000000000" pitchFamily="2" charset="-78"/>
-              </a:rPr>
-              <a:t>تهیه نرم افزار های حرفه ای و صنعتی طراحی دیجیتال توسط دانشگاه ها</a:t>
-            </a:r>
-            <a:endParaRPr lang="fa-IR" sz="3600" dirty="0">
-              <a:cs typeface="B Nazanin" panose="00000400000000000000" pitchFamily="2" charset="-78"/>
-            </a:endParaRPr>
+              <a:t>1- تهیه نرم افزار های حرفه ای و صنعتی طراحی دیجیتال توسط دانشگاه ها</a:t>
+            </a:r>
           </a:p>
           <a:p>
             <a:pPr algn="just" rtl="1">
@@ -3974,17 +3823,8 @@
               <a:rPr lang="fa-IR" sz="3600" dirty="0">
                 <a:cs typeface="B Nazanin" panose="00000400000000000000" pitchFamily="2" charset="-78"/>
               </a:rPr>
-              <a:t>2- </a:t>
-            </a:r>
-            <a:r>
-              <a:rPr lang="fa-IR" sz="3600" dirty="0" smtClean="0">
-                <a:cs typeface="B Nazanin" panose="00000400000000000000" pitchFamily="2" charset="-78"/>
-              </a:rPr>
-              <a:t>در نظر گرفتن آموزش های منطبق با تکنولوژی روز در زمینه طراحی دیجیتال در مراکز آموزش عالی</a:t>
-            </a:r>
-            <a:endParaRPr lang="fa-IR" sz="3600" dirty="0">
-              <a:cs typeface="B Nazanin" panose="00000400000000000000" pitchFamily="2" charset="-78"/>
-            </a:endParaRPr>
+              <a:t>2- در نظر گرفتن آموزش های منطبق با تکنولوژی روز در زمینه طراحی دیجیتال در مراکز آموزش عالی</a:t>
+            </a:r>
           </a:p>
           <a:p>
             <a:pPr algn="just" rtl="1">
@@ -3993,26 +3833,24 @@
               </a:lnSpc>
             </a:pPr>
             <a:r>
-              <a:rPr lang="fa-IR" sz="3600" dirty="0" smtClean="0">
+              <a:rPr lang="fa-IR" sz="3600" dirty="0">
                 <a:cs typeface="B Nazanin" panose="00000400000000000000" pitchFamily="2" charset="-78"/>
               </a:rPr>
               <a:t>3- تهیه برد های </a:t>
             </a:r>
             <a:r>
-              <a:rPr lang="en-US" sz="3600" dirty="0" smtClean="0">
+              <a:rPr lang="en-US" sz="3600" dirty="0">
+                <a:latin typeface="Times New Roman" panose="02020603050405020304" pitchFamily="18" charset="0"/>
+                <a:cs typeface="Times New Roman" panose="02020603050405020304" pitchFamily="18" charset="0"/>
+              </a:rPr>
+              <a:t>FPGA</a:t>
+            </a:r>
+            <a:r>
+              <a:rPr lang="fa-IR" sz="3600" dirty="0">
                 <a:cs typeface="B Nazanin" panose="00000400000000000000" pitchFamily="2" charset="-78"/>
               </a:rPr>
-              <a:t>FPGA</a:t>
-            </a:r>
-            <a:r>
-              <a:rPr lang="fa-IR" sz="3600" dirty="0" smtClean="0">
-                <a:cs typeface="B Nazanin" panose="00000400000000000000" pitchFamily="2" charset="-78"/>
-              </a:rPr>
               <a:t> و پردازشی نسل جدید</a:t>
             </a:r>
-            <a:endParaRPr lang="fa-IR" sz="3600" dirty="0">
-              <a:cs typeface="B Nazanin" panose="00000400000000000000" pitchFamily="2" charset="-78"/>
-            </a:endParaRPr>
           </a:p>
           <a:p>
             <a:pPr algn="just">
@@ -4034,7 +3872,7 @@
         </p:nvGrpSpPr>
         <p:grpSpPr>
           <a:xfrm>
-            <a:off x="812177" y="23558573"/>
+            <a:off x="796000" y="23863614"/>
             <a:ext cx="6126480" cy="731520"/>
             <a:chOff x="30117740" y="7058350"/>
             <a:chExt cx="10563480" cy="1021753"/>
@@ -4099,17 +3937,6 @@
                 <a:t>         	   </a:t>
               </a:r>
               <a:r>
-                <a:rPr lang="fa-IR" sz="2650" b="1" dirty="0" smtClean="0">
-                  <a:solidFill>
-                    <a:srgbClr val="002060"/>
-                  </a:solidFill>
-                  <a:latin typeface="Oswald"/>
-                  <a:ea typeface="Oswald"/>
-                  <a:cs typeface="B Titr" panose="00000700000000000000" pitchFamily="2" charset="-78"/>
-                </a:rPr>
-                <a:t>دستاوردها/پیشنهادها </a:t>
-              </a:r>
-              <a:r>
                 <a:rPr lang="fa-IR" sz="2650" b="1" dirty="0">
                   <a:solidFill>
                     <a:srgbClr val="002060"/>
@@ -4118,7 +3945,7 @@
                   <a:ea typeface="Oswald"/>
                   <a:cs typeface="B Titr" panose="00000700000000000000" pitchFamily="2" charset="-78"/>
                 </a:rPr>
-                <a:t>برای رفع چالش ها</a:t>
+                <a:t>دستاوردها/پیشنهادها برای رفع چالش ها</a:t>
               </a:r>
               <a:endParaRPr lang="en-US" sz="2650" b="1" dirty="0">
                 <a:solidFill>
@@ -4236,7 +4063,7 @@
         </p:nvSpPr>
         <p:spPr>
           <a:xfrm>
-            <a:off x="810238" y="18124032"/>
+            <a:off x="810238" y="18590021"/>
             <a:ext cx="6098005" cy="5430316"/>
           </a:xfrm>
           <a:prstGeom prst="rect">
@@ -4260,17 +4087,8 @@
               <a:rPr lang="fa-IR" sz="3600" dirty="0">
                 <a:cs typeface="B Nazanin" panose="00000400000000000000" pitchFamily="2" charset="-78"/>
               </a:rPr>
-              <a:t>1- </a:t>
-            </a:r>
-            <a:r>
-              <a:rPr lang="fa-IR" sz="3600" dirty="0" smtClean="0">
-                <a:cs typeface="B Nazanin" panose="00000400000000000000" pitchFamily="2" charset="-78"/>
-              </a:rPr>
-              <a:t>کمبود منابع و مراجع آموزشی کامل و رایگان در زمینه طراحی پردازنده</a:t>
-            </a:r>
-            <a:endParaRPr lang="fa-IR" sz="3600" dirty="0">
-              <a:cs typeface="B Nazanin" panose="00000400000000000000" pitchFamily="2" charset="-78"/>
-            </a:endParaRPr>
+              <a:t>1- کمبود منابع و مراجع آموزشی کامل و رایگان در زمینه طراحی پردازنده های نوین</a:t>
+            </a:r>
           </a:p>
           <a:p>
             <a:pPr algn="just" rtl="1">
@@ -4282,17 +4100,8 @@
               <a:rPr lang="fa-IR" sz="3600" dirty="0">
                 <a:cs typeface="B Nazanin" panose="00000400000000000000" pitchFamily="2" charset="-78"/>
               </a:rPr>
-              <a:t>2- </a:t>
-            </a:r>
-            <a:r>
-              <a:rPr lang="fa-IR" sz="3600" dirty="0" smtClean="0">
-                <a:cs typeface="B Nazanin" panose="00000400000000000000" pitchFamily="2" charset="-78"/>
-              </a:rPr>
-              <a:t>عدم وجود بستر مناسب برای صنعت نیمه هادی و طراحی دیجیتال در کشور، در مرحله ساخت و تولید</a:t>
-            </a:r>
-            <a:endParaRPr lang="fa-IR" sz="3600" dirty="0">
-              <a:cs typeface="B Nazanin" panose="00000400000000000000" pitchFamily="2" charset="-78"/>
-            </a:endParaRPr>
+              <a:t>2- عدم وجود بستر مناسب برای صنعت نیمه هادی و طراحی دیجیتال در کشور، در مرحله ساخت و تولید</a:t>
+            </a:r>
           </a:p>
           <a:p>
             <a:pPr algn="just" rtl="1">
@@ -4301,14 +4110,11 @@
               </a:lnSpc>
             </a:pPr>
             <a:r>
-              <a:rPr lang="fa-IR" sz="3600" dirty="0" smtClean="0">
+              <a:rPr lang="fa-IR" sz="3600" dirty="0">
                 <a:cs typeface="B Nazanin" panose="00000400000000000000" pitchFamily="2" charset="-78"/>
               </a:rPr>
               <a:t>3- عدم دسترسی به نرم افزار های تخصصی و صنعتی سنتز و تبدیل به مدار مجتمع فشرده</a:t>
             </a:r>
-            <a:endParaRPr lang="fa-IR" sz="3600" dirty="0">
-              <a:cs typeface="B Nazanin" panose="00000400000000000000" pitchFamily="2" charset="-78"/>
-            </a:endParaRPr>
           </a:p>
           <a:p>
             <a:pPr algn="just">
@@ -4916,23 +4722,8 @@
               <a:rPr lang="fa-IR" sz="3600" dirty="0">
                 <a:cs typeface="B Nazanin" panose="00000400000000000000" pitchFamily="2" charset="-78"/>
               </a:rPr>
-              <a:t>1- </a:t>
-            </a:r>
-            <a:r>
-              <a:rPr lang="fa-IR" sz="3600" dirty="0" smtClean="0">
-                <a:cs typeface="B Nazanin" panose="00000400000000000000" pitchFamily="2" charset="-78"/>
-              </a:rPr>
-              <a:t>طراحی پردازنده در سطح معماری و رسم بلوک دایگرام بعد از انجام مطالعات در زمینه معماری مورد </a:t>
-            </a:r>
-            <a:r>
-              <a:rPr lang="fa-IR" sz="3600" dirty="0" smtClean="0">
-                <a:cs typeface="B Nazanin" panose="00000400000000000000" pitchFamily="2" charset="-78"/>
-              </a:rPr>
-              <a:t>نظر</a:t>
-            </a:r>
-            <a:endParaRPr lang="fa-IR" sz="3600" dirty="0">
-              <a:cs typeface="B Nazanin" panose="00000400000000000000" pitchFamily="2" charset="-78"/>
-            </a:endParaRPr>
+              <a:t>1- طراحی مدار های دیجیتال در سطح معماری و رسم بلوک دیاگرام و مطالعات گسترده در زمینه معماری مورد نظر</a:t>
+            </a:r>
           </a:p>
           <a:p>
             <a:pPr algn="just" rtl="1">
@@ -4944,34 +4735,31 @@
               <a:rPr lang="fa-IR" sz="3600" dirty="0">
                 <a:cs typeface="B Nazanin" panose="00000400000000000000" pitchFamily="2" charset="-78"/>
               </a:rPr>
-              <a:t>2- </a:t>
-            </a:r>
-            <a:r>
-              <a:rPr lang="fa-IR" sz="3600" dirty="0" smtClean="0">
+              <a:t>2- طراحی و اجرا در سطح </a:t>
+            </a:r>
+            <a:r>
+              <a:rPr lang="en-US" sz="3600" dirty="0">
+                <a:latin typeface="Times New Roman" panose="02020603050405020304" pitchFamily="18" charset="0"/>
+                <a:cs typeface="Times New Roman" panose="02020603050405020304" pitchFamily="18" charset="0"/>
+              </a:rPr>
+              <a:t>RTL</a:t>
+            </a:r>
+            <a:r>
+              <a:rPr lang="fa-IR" sz="3600" dirty="0">
                 <a:cs typeface="B Nazanin" panose="00000400000000000000" pitchFamily="2" charset="-78"/>
               </a:rPr>
-              <a:t>برنامه نویسی </a:t>
-            </a:r>
-            <a:r>
-              <a:rPr lang="en-US" sz="3600" dirty="0" smtClean="0">
-                <a:cs typeface="B Nazanin" panose="00000400000000000000" pitchFamily="2" charset="-78"/>
-              </a:rPr>
-              <a:t>RTL</a:t>
-            </a:r>
-            <a:r>
-              <a:rPr lang="fa-IR" sz="3600" dirty="0" smtClean="0">
-                <a:cs typeface="B Nazanin" panose="00000400000000000000" pitchFamily="2" charset="-78"/>
-              </a:rPr>
               <a:t> و شبیه سازی آن با استفاده از زبان توصیف سخت افزار </a:t>
             </a:r>
             <a:r>
-              <a:rPr lang="en-US" sz="3600" dirty="0" smtClean="0">
-                <a:cs typeface="B Nazanin" panose="00000400000000000000" pitchFamily="2" charset="-78"/>
+              <a:rPr lang="en-US" sz="3600" dirty="0">
+                <a:latin typeface="Times New Roman" panose="02020603050405020304" pitchFamily="18" charset="0"/>
+                <a:cs typeface="Times New Roman" panose="02020603050405020304" pitchFamily="18" charset="0"/>
               </a:rPr>
               <a:t>Verilog</a:t>
             </a:r>
             <a:endParaRPr lang="fa-IR" sz="3600" dirty="0">
-              <a:cs typeface="B Nazanin" panose="00000400000000000000" pitchFamily="2" charset="-78"/>
+              <a:latin typeface="Times New Roman" panose="02020603050405020304" pitchFamily="18" charset="0"/>
+              <a:cs typeface="Times New Roman" panose="02020603050405020304" pitchFamily="18" charset="0"/>
             </a:endParaRPr>
           </a:p>
           <a:p>
@@ -4981,19 +4769,21 @@
               </a:lnSpc>
             </a:pPr>
             <a:r>
-              <a:rPr lang="fa-IR" sz="3600" dirty="0" smtClean="0">
+              <a:rPr lang="fa-IR" sz="3600" dirty="0">
                 <a:cs typeface="B Nazanin" panose="00000400000000000000" pitchFamily="2" charset="-78"/>
               </a:rPr>
-              <a:t>3- سنتز و تبدیل کد پردازنده به طرح فیزیکی تراشه با استفاده از ابزار های موجود برای انجام فرآیند </a:t>
-            </a:r>
-            <a:r>
-              <a:rPr lang="en-US" sz="3600" dirty="0" smtClean="0">
-                <a:cs typeface="B Nazanin" panose="00000400000000000000" pitchFamily="2" charset="-78"/>
-              </a:rPr>
-              <a:t>RTL to GDSII</a:t>
+              <a:t>3- سنتز و تبدیل کد مدار دیجیتال به طرح فیزیکی تراشه با استفاده از ابزار های متن باز موجود برای انجام فرآیند </a:t>
+            </a:r>
+            <a:r>
+              <a:rPr lang="en-US" sz="3600" dirty="0">
+                <a:latin typeface="Times New Roman" panose="02020603050405020304" pitchFamily="18" charset="0"/>
+                <a:cs typeface="Times New Roman" panose="02020603050405020304" pitchFamily="18" charset="0"/>
+              </a:rPr>
+              <a:t>RTL to GDS</a:t>
             </a:r>
             <a:endParaRPr lang="fa-IR" sz="3600" dirty="0">
-              <a:cs typeface="B Nazanin" panose="00000400000000000000" pitchFamily="2" charset="-78"/>
+              <a:latin typeface="Times New Roman" panose="02020603050405020304" pitchFamily="18" charset="0"/>
+              <a:cs typeface="Times New Roman" panose="02020603050405020304" pitchFamily="18" charset="0"/>
             </a:endParaRPr>
           </a:p>
           <a:p>
@@ -5169,7 +4959,7 @@
               <a:t>شکل 1 </a:t>
             </a:r>
             <a:r>
-              <a:rPr lang="fa-IR" sz="2800" b="1" dirty="0" smtClean="0">
+              <a:rPr lang="fa-IR" sz="2800" b="1" dirty="0">
                 <a:latin typeface="Impact" panose="020B0806030902050204" pitchFamily="34" charset="0"/>
                 <a:cs typeface="B Nazanin" panose="00000400000000000000" pitchFamily="2" charset="-78"/>
               </a:rPr>
@@ -5210,53 +5000,22 @@
               <a:buChar char="•"/>
             </a:pPr>
             <a:r>
-              <a:rPr lang="fa-IR" sz="3600" dirty="0" smtClean="0">
-                <a:cs typeface="B Nazanin" panose="00000400000000000000" pitchFamily="2" charset="-78"/>
-              </a:rPr>
-              <a:t>طراحی </a:t>
-            </a:r>
-            <a:r>
-              <a:rPr lang="fa-IR" sz="3600" dirty="0" smtClean="0">
-                <a:cs typeface="B Nazanin" panose="00000400000000000000" pitchFamily="2" charset="-78"/>
-              </a:rPr>
-              <a:t>یک پردازنده 32 بیتی تحت معماری </a:t>
-            </a:r>
-            <a:r>
-              <a:rPr lang="en-US" sz="3600" dirty="0" smtClean="0">
-                <a:cs typeface="B Nazanin" panose="00000400000000000000" pitchFamily="2" charset="-78"/>
-              </a:rPr>
-              <a:t>RISC-V</a:t>
-            </a:r>
-            <a:r>
-              <a:rPr lang="fa-IR" sz="3600" dirty="0" smtClean="0">
-                <a:cs typeface="B Nazanin" panose="00000400000000000000" pitchFamily="2" charset="-78"/>
-              </a:rPr>
-              <a:t> قابل برنامه نویسی به زبان </a:t>
-            </a:r>
-            <a:r>
-              <a:rPr lang="en-US" sz="3600" dirty="0" smtClean="0">
-                <a:cs typeface="B Nazanin" panose="00000400000000000000" pitchFamily="2" charset="-78"/>
-              </a:rPr>
-              <a:t>C</a:t>
-            </a:r>
-            <a:r>
               <a:rPr lang="fa-IR" sz="3600" dirty="0">
                 <a:cs typeface="B Nazanin" panose="00000400000000000000" pitchFamily="2" charset="-78"/>
               </a:rPr>
-              <a:t> </a:t>
-            </a:r>
-            <a:r>
-              <a:rPr lang="fa-IR" sz="3600" dirty="0" smtClean="0">
-                <a:cs typeface="B Nazanin" panose="00000400000000000000" pitchFamily="2" charset="-78"/>
-              </a:rPr>
-              <a:t>و </a:t>
-            </a:r>
-            <a:r>
-              <a:rPr lang="fa-IR" sz="3600" dirty="0" smtClean="0">
-                <a:cs typeface="B Nazanin" panose="00000400000000000000" pitchFamily="2" charset="-78"/>
-              </a:rPr>
-              <a:t>اسمبلی</a:t>
-            </a:r>
+              <a:t>طراحی یک پردازنده 32 بیتی تحت معماری </a:t>
+            </a:r>
+            <a:r>
+              <a:rPr lang="en-US" sz="3600" dirty="0">
+                <a:latin typeface="Times New Roman" panose="02020603050405020304" pitchFamily="18" charset="0"/>
+                <a:cs typeface="Times New Roman" panose="02020603050405020304" pitchFamily="18" charset="0"/>
+              </a:rPr>
+              <a:t>RISC-V</a:t>
+            </a:r>
+            <a:endParaRPr lang="fa-IR" sz="3600" dirty="0">
+              <a:latin typeface="Times New Roman" panose="02020603050405020304" pitchFamily="18" charset="0"/>
+              <a:cs typeface="Times New Roman" panose="02020603050405020304" pitchFamily="18" charset="0"/>
+            </a:endParaRPr>
           </a:p>
           <a:p>
             <a:pPr marL="261908" indent="-261908" algn="just" rtl="1">
@@ -5264,10 +5023,10 @@
               <a:buChar char="•"/>
             </a:pPr>
             <a:r>
-              <a:rPr lang="fa-IR" sz="3600" dirty="0" smtClean="0">
+              <a:rPr lang="fa-IR" sz="3600" dirty="0">
                 <a:cs typeface="B Nazanin" panose="00000400000000000000" pitchFamily="2" charset="-78"/>
               </a:rPr>
-              <a:t>طراحی یک ضرب کننده تقریبی برای مصارف پردازش تصویر</a:t>
+              <a:t>طراحی یک ضرب کننده تقریبی کم مصرف و پر سرعت برای کاربرد های پردازش تصویر</a:t>
             </a:r>
           </a:p>
           <a:p>
@@ -5275,9 +5034,18 @@
               <a:buFont typeface="Arial" panose="020B0604020202020204" pitchFamily="34" charset="0"/>
               <a:buChar char="•"/>
             </a:pPr>
-            <a:endParaRPr lang="fa-IR" sz="3600" dirty="0" smtClean="0">
+            <a:endParaRPr lang="fa-IR" sz="3600" dirty="0">
               <a:cs typeface="B Nazanin" panose="00000400000000000000" pitchFamily="2" charset="-78"/>
             </a:endParaRPr>
+          </a:p>
+          <a:p>
+            <a:pPr algn="just" rtl="1"/>
+            <a:r>
+              <a:rPr lang="fa-IR" sz="3600" dirty="0">
+                <a:cs typeface="B Nazanin" panose="00000400000000000000" pitchFamily="2" charset="-78"/>
+              </a:rPr>
+              <a:t>ویژگی ها:</a:t>
+            </a:r>
           </a:p>
           <a:p>
             <a:pPr marL="261908" indent="-261908" algn="just" rtl="1">
@@ -5285,22 +5053,10 @@
               <a:buChar char="•"/>
             </a:pPr>
             <a:r>
-              <a:rPr lang="fa-IR" sz="3600" dirty="0" smtClean="0">
+              <a:rPr lang="fa-IR" sz="3600" dirty="0">
                 <a:cs typeface="B Nazanin" panose="00000400000000000000" pitchFamily="2" charset="-78"/>
               </a:rPr>
-              <a:t>ویژگی </a:t>
-            </a:r>
-            <a:r>
-              <a:rPr lang="fa-IR" sz="3600" dirty="0" smtClean="0">
-                <a:cs typeface="B Nazanin" panose="00000400000000000000" pitchFamily="2" charset="-78"/>
-              </a:rPr>
-              <a:t>ها</a:t>
-            </a:r>
-            <a:r>
-              <a:rPr lang="fa-IR" sz="3600" dirty="0" smtClean="0">
-                <a:cs typeface="B Nazanin" panose="00000400000000000000" pitchFamily="2" charset="-78"/>
-              </a:rPr>
-              <a:t>:</a:t>
+              <a:t>ضرب‌کننده تقریبی با خطای قابل تنظیم برای عملیات های پردازش تصویر و هوش مصنوعی</a:t>
             </a:r>
           </a:p>
           <a:p>
@@ -5309,22 +5065,10 @@
               <a:buChar char="•"/>
             </a:pPr>
             <a:r>
-              <a:rPr lang="fa-IR" sz="3600" dirty="0" smtClean="0">
+              <a:rPr lang="fa-IR" sz="3600" dirty="0">
                 <a:cs typeface="B Nazanin" panose="00000400000000000000" pitchFamily="2" charset="-78"/>
               </a:rPr>
-              <a:t>ضرب‌کننده </a:t>
-            </a:r>
-            <a:r>
-              <a:rPr lang="fa-IR" sz="3600" dirty="0" smtClean="0">
-                <a:cs typeface="B Nazanin" panose="00000400000000000000" pitchFamily="2" charset="-78"/>
-              </a:rPr>
-              <a:t>تقریبی با خطای قابل تنظیم برای عملیات های پردازش تصویر و هوش </a:t>
-            </a:r>
-            <a:r>
-              <a:rPr lang="fa-IR" sz="3600" dirty="0" smtClean="0">
-                <a:cs typeface="B Nazanin" panose="00000400000000000000" pitchFamily="2" charset="-78"/>
-              </a:rPr>
-              <a:t>مصنوعی</a:t>
+              <a:t>پردازنده پایپلاین با واحد کنترل غیر متمرکز و طراحی قابل گسترش و ماژولار</a:t>
             </a:r>
           </a:p>
           <a:p>
@@ -5333,83 +5077,76 @@
               <a:buChar char="•"/>
             </a:pPr>
             <a:r>
-              <a:rPr lang="fa-IR" sz="3600" dirty="0" smtClean="0">
+              <a:rPr lang="fa-IR" sz="3600" dirty="0">
                 <a:cs typeface="B Nazanin" panose="00000400000000000000" pitchFamily="2" charset="-78"/>
               </a:rPr>
-              <a:t>پردازنده پایپلاین با واحد کنترل غیر متمرکز و طراحی قبال گسترش و ماژولار</a:t>
-            </a:r>
-            <a:endParaRPr lang="fa-IR" sz="3600" dirty="0">
-              <a:cs typeface="B Nazanin" panose="00000400000000000000" pitchFamily="2" charset="-78"/>
-            </a:endParaRPr>
-          </a:p>
-          <a:p>
-            <a:pPr marL="261908" indent="-261908" algn="just" rtl="1">
-              <a:buFont typeface="Arial" panose="020B0604020202020204" pitchFamily="34" charset="0"/>
-              <a:buChar char="•"/>
-            </a:pPr>
-            <a:r>
-              <a:rPr lang="fa-IR" sz="3600" dirty="0" smtClean="0">
+              <a:t>فرکانس کاری 250 مگاهرتز و قابل مقایسه با پردازنده های معروف و صنعتی </a:t>
+            </a:r>
+            <a:r>
+              <a:rPr lang="en-US" sz="3600" dirty="0">
+                <a:latin typeface="Times New Roman" panose="02020603050405020304" pitchFamily="18" charset="0"/>
+                <a:cs typeface="Times New Roman" panose="02020603050405020304" pitchFamily="18" charset="0"/>
+              </a:rPr>
+              <a:t>ARM</a:t>
+            </a:r>
+            <a:r>
+              <a:rPr lang="fa-IR" sz="3600" dirty="0">
                 <a:cs typeface="B Nazanin" panose="00000400000000000000" pitchFamily="2" charset="-78"/>
               </a:rPr>
-              <a:t>فرکانس </a:t>
-            </a:r>
-            <a:r>
-              <a:rPr lang="fa-IR" sz="3600" dirty="0" smtClean="0">
+              <a:t> در درسته</a:t>
+            </a:r>
+            <a:r>
+              <a:rPr lang="en-US" sz="3600" dirty="0">
+                <a:latin typeface="Times New Roman" panose="02020603050405020304" pitchFamily="18" charset="0"/>
+                <a:cs typeface="Times New Roman" panose="02020603050405020304" pitchFamily="18" charset="0"/>
+              </a:rPr>
+              <a:t>Cortex</a:t>
+            </a:r>
+            <a:r>
+              <a:rPr lang="en-US" sz="3600" dirty="0">
                 <a:cs typeface="B Nazanin" panose="00000400000000000000" pitchFamily="2" charset="-78"/>
               </a:rPr>
-              <a:t>کاری 250 مگاهرتز و قابل مقایسه با پردازنده های معروف و صنعتی </a:t>
-            </a:r>
-            <a:r>
-              <a:rPr lang="en-US" sz="3600" dirty="0" smtClean="0">
+              <a:t> </a:t>
+            </a:r>
+            <a:r>
+              <a:rPr lang="en-US" sz="3600" dirty="0">
+                <a:latin typeface="Times New Roman" panose="02020603050405020304" pitchFamily="18" charset="0"/>
+                <a:cs typeface="Times New Roman" panose="02020603050405020304" pitchFamily="18" charset="0"/>
+              </a:rPr>
+              <a:t>M0</a:t>
+            </a:r>
+            <a:r>
+              <a:rPr lang="fa-IR" sz="3600" dirty="0">
                 <a:cs typeface="B Nazanin" panose="00000400000000000000" pitchFamily="2" charset="-78"/>
               </a:rPr>
-              <a:t>ARM</a:t>
-            </a:r>
-            <a:r>
-              <a:rPr lang="fa-IR" sz="3600" dirty="0" smtClean="0">
+              <a:t>، </a:t>
+            </a:r>
+            <a:r>
+              <a:rPr lang="en-US" sz="3600" dirty="0">
+                <a:latin typeface="Times New Roman" panose="02020603050405020304" pitchFamily="18" charset="0"/>
+                <a:cs typeface="Times New Roman" panose="02020603050405020304" pitchFamily="18" charset="0"/>
+              </a:rPr>
+              <a:t>M3</a:t>
+            </a:r>
+            <a:r>
+              <a:rPr lang="fa-IR" sz="3600" dirty="0">
                 <a:cs typeface="B Nazanin" panose="00000400000000000000" pitchFamily="2" charset="-78"/>
               </a:rPr>
-              <a:t> در درسته</a:t>
-            </a:r>
-            <a:r>
-              <a:rPr lang="en-US" sz="3600" dirty="0" smtClean="0">
+              <a:t> و </a:t>
+            </a:r>
+            <a:r>
+              <a:rPr lang="en-US" sz="3600" dirty="0">
+                <a:latin typeface="Times New Roman" panose="02020603050405020304" pitchFamily="18" charset="0"/>
+                <a:cs typeface="Times New Roman" panose="02020603050405020304" pitchFamily="18" charset="0"/>
+              </a:rPr>
+              <a:t>M4</a:t>
+            </a:r>
+            <a:r>
+              <a:rPr lang="fa-IR" sz="3600" dirty="0">
                 <a:cs typeface="B Nazanin" panose="00000400000000000000" pitchFamily="2" charset="-78"/>
               </a:rPr>
-              <a:t>Cortex M0</a:t>
-            </a:r>
-            <a:r>
-              <a:rPr lang="fa-IR" sz="3600" dirty="0" smtClean="0">
-                <a:cs typeface="B Nazanin" panose="00000400000000000000" pitchFamily="2" charset="-78"/>
-              </a:rPr>
-              <a:t>، </a:t>
-            </a:r>
-            <a:r>
-              <a:rPr lang="en-US" sz="3600" dirty="0" smtClean="0">
-                <a:cs typeface="B Nazanin" panose="00000400000000000000" pitchFamily="2" charset="-78"/>
-              </a:rPr>
-              <a:t>M3</a:t>
-            </a:r>
-            <a:r>
-              <a:rPr lang="fa-IR" sz="3600" dirty="0" smtClean="0">
-                <a:cs typeface="B Nazanin" panose="00000400000000000000" pitchFamily="2" charset="-78"/>
-              </a:rPr>
-              <a:t> و </a:t>
-            </a:r>
-            <a:r>
-              <a:rPr lang="en-US" sz="3600" dirty="0" smtClean="0">
-                <a:cs typeface="B Nazanin" panose="00000400000000000000" pitchFamily="2" charset="-78"/>
-              </a:rPr>
-              <a:t>M4</a:t>
-            </a:r>
-            <a:r>
-              <a:rPr lang="fa-IR" sz="3600" dirty="0" smtClean="0">
-                <a:cs typeface="B Nazanin" panose="00000400000000000000" pitchFamily="2" charset="-78"/>
-              </a:rPr>
               <a:t>.</a:t>
             </a:r>
-            <a:endParaRPr lang="fa-IR" sz="3600" dirty="0">
-              <a:cs typeface="B Nazanin" panose="00000400000000000000" pitchFamily="2" charset="-78"/>
-            </a:endParaRPr>
           </a:p>
         </p:txBody>
       </p:sp>
@@ -5444,7 +5181,7 @@
               <a:buChar char="•"/>
             </a:pPr>
             <a:r>
-              <a:rPr lang="fa-IR" sz="3600" dirty="0" smtClean="0">
+              <a:rPr lang="fa-IR" sz="3600" dirty="0">
                 <a:cs typeface="B Nazanin" panose="00000400000000000000" pitchFamily="2" charset="-78"/>
               </a:rPr>
               <a:t>پژوهشکده الکترونیک دانشگاه علم و صنعت ایران</a:t>
@@ -5459,26 +5196,11 @@
               <a:buChar char="•"/>
             </a:pPr>
             <a:r>
-              <a:rPr lang="fa-IR" sz="3600" dirty="0" smtClean="0">
-                <a:cs typeface="B Nazanin" panose="00000400000000000000" pitchFamily="2" charset="-78"/>
-              </a:rPr>
-              <a:t>آزمایشگاه </a:t>
-            </a:r>
-            <a:r>
               <a:rPr lang="fa-IR" sz="3600" dirty="0">
                 <a:cs typeface="B Nazanin" panose="00000400000000000000" pitchFamily="2" charset="-78"/>
               </a:rPr>
-              <a:t>طراحی مدار مجتمع </a:t>
-            </a:r>
-            <a:r>
-              <a:rPr lang="fa-IR" sz="3600" dirty="0" smtClean="0">
-                <a:cs typeface="B Nazanin" panose="00000400000000000000" pitchFamily="2" charset="-78"/>
-              </a:rPr>
-              <a:t>دیجیتال</a:t>
-            </a:r>
-            <a:endParaRPr lang="fa-IR" sz="3600" dirty="0">
-              <a:cs typeface="B Nazanin" panose="00000400000000000000" pitchFamily="2" charset="-78"/>
-            </a:endParaRPr>
+              <a:t>آزمایشگاه طراحی مدار مجتمع دیجیتال</a:t>
+            </a:r>
           </a:p>
           <a:p>
             <a:pPr marL="228609" indent="-228609" algn="just" rtl="1">
@@ -5489,32 +5211,36 @@
               <a:buChar char="•"/>
             </a:pPr>
             <a:r>
-              <a:rPr lang="fa-IR" sz="3600" dirty="0" smtClean="0">
+              <a:rPr lang="fa-IR" sz="3600" dirty="0">
                 <a:cs typeface="B Nazanin" panose="00000400000000000000" pitchFamily="2" charset="-78"/>
               </a:rPr>
-              <a:t>نوع </a:t>
-            </a:r>
-            <a:r>
-              <a:rPr lang="fa-IR" sz="3600" dirty="0" smtClean="0">
+              <a:t>نوع فعالیت: طراحی، شبیه سازی و پیاده سازی مدار های</a:t>
+            </a:r>
+            <a:r>
+              <a:rPr lang="en-US" sz="3600" dirty="0">
                 <a:cs typeface="B Nazanin" panose="00000400000000000000" pitchFamily="2" charset="-78"/>
               </a:rPr>
-              <a:t>فعالیت: طراحی، شبیه سازی و پیاده سازی مدار های مجتمع دیجیتال با استفاده از زبان های توصیف سخت افزار و برد های </a:t>
-            </a:r>
-            <a:r>
-              <a:rPr lang="en-US" sz="3600" dirty="0" smtClean="0">
+              <a:t> </a:t>
+            </a:r>
+            <a:r>
+              <a:rPr lang="fa-IR" sz="3600" dirty="0">
                 <a:cs typeface="B Nazanin" panose="00000400000000000000" pitchFamily="2" charset="-78"/>
               </a:rPr>
+              <a:t>دیجیتال با استفاده از زبان های توصیف سخت افزار و برد های </a:t>
+            </a:r>
+            <a:r>
+              <a:rPr lang="en-US" sz="3600" dirty="0">
+                <a:latin typeface="Times New Roman" panose="02020603050405020304" pitchFamily="18" charset="0"/>
+                <a:cs typeface="Times New Roman" panose="02020603050405020304" pitchFamily="18" charset="0"/>
+              </a:rPr>
               <a:t>FPGA</a:t>
             </a:r>
             <a:r>
-              <a:rPr lang="fa-IR" sz="3600" dirty="0" smtClean="0">
+              <a:rPr lang="fa-IR" sz="3600" dirty="0">
                 <a:cs typeface="B Nazanin" panose="00000400000000000000" pitchFamily="2" charset="-78"/>
               </a:rPr>
-              <a:t>، با استفاده از نرم افزار های برنامه نویسی توصیف سخت افزار و سنتز مدار های دیجیتال</a:t>
-            </a:r>
-            <a:endParaRPr lang="fa-IR" sz="3600" dirty="0">
-              <a:cs typeface="B Nazanin" panose="00000400000000000000" pitchFamily="2" charset="-78"/>
-            </a:endParaRPr>
+              <a:t>، توسط نرم افزار های برنامه نویسی توصیف سخت افزار و سنتز مدار های دیجیتال</a:t>
+            </a:r>
           </a:p>
         </p:txBody>
       </p:sp>
@@ -5569,7 +5295,7 @@
         </p:blipFill>
         <p:spPr>
           <a:xfrm>
-            <a:off x="609583" y="13524187"/>
+            <a:off x="609583" y="12973397"/>
             <a:ext cx="6395793" cy="3366207"/>
           </a:xfrm>
           <a:prstGeom prst="rect">
@@ -5577,6 +5303,186 @@
           </a:prstGeom>
         </p:spPr>
       </p:pic>
+      <p:sp>
+        <p:nvSpPr>
+          <p:cNvPr id="14" name="Text Box 262">
+            <a:extLst>
+              <a:ext uri="{FF2B5EF4-FFF2-40B4-BE49-F238E27FC236}">
+                <a16:creationId xmlns:a16="http://schemas.microsoft.com/office/drawing/2014/main" id="{99FC1D27-8078-6FDC-B249-D294002C8ADA}"/>
+              </a:ext>
+            </a:extLst>
+          </p:cNvPr>
+          <p:cNvSpPr txBox="1">
+            <a:spLocks noChangeArrowheads="1"/>
+          </p:cNvSpPr>
+          <p:nvPr/>
+        </p:nvSpPr>
+        <p:spPr bwMode="auto">
+          <a:xfrm>
+            <a:off x="1424749" y="16573797"/>
+            <a:ext cx="4715251" cy="579683"/>
+          </a:xfrm>
+          <a:prstGeom prst="rect">
+            <a:avLst/>
+          </a:prstGeom>
+          <a:noFill/>
+          <a:ln>
+            <a:noFill/>
+          </a:ln>
+          <a:effectLst/>
+          <a:extLst>
+            <a:ext uri="{909E8E84-426E-40DD-AFC4-6F175D3DCCD1}">
+              <a14:hiddenFill xmlns:a14="http://schemas.microsoft.com/office/drawing/2010/main">
+                <a:solidFill>
+                  <a:schemeClr val="accent1"/>
+                </a:solidFill>
+              </a14:hiddenFill>
+            </a:ext>
+            <a:ext uri="{91240B29-F687-4F45-9708-019B960494DF}">
+              <a14:hiddenLine xmlns:a14="http://schemas.microsoft.com/office/drawing/2010/main" w="9525">
+                <a:solidFill>
+                  <a:schemeClr val="bg1"/>
+                </a:solidFill>
+                <a:prstDash val="sysDot"/>
+                <a:miter lim="800000"/>
+                <a:headEnd/>
+                <a:tailEnd/>
+              </a14:hiddenLine>
+            </a:ext>
+            <a:ext uri="{AF507438-7753-43E0-B8FC-AC1667EBCBE1}">
+              <a14:hiddenEffects xmlns:a14="http://schemas.microsoft.com/office/drawing/2010/main">
+                <a:effectLst>
+                  <a:outerShdw dist="35921" dir="2700000" algn="ctr" rotWithShape="0">
+                    <a:schemeClr val="bg2"/>
+                  </a:outerShdw>
+                </a:effectLst>
+              </a14:hiddenEffects>
+            </a:ext>
+          </a:extLst>
+        </p:spPr>
+        <p:txBody>
+          <a:bodyPr wrap="none" lIns="104775" tIns="104775" rIns="104775" bIns="104775" anchor="ctr" anchorCtr="1"/>
+          <a:lstStyle>
+            <a:lvl1pPr defTabSz="4389438">
+              <a:defRPr>
+                <a:solidFill>
+                  <a:schemeClr val="tx1"/>
+                </a:solidFill>
+                <a:latin typeface="Arial" panose="020B0604020202020204" pitchFamily="34" charset="0"/>
+              </a:defRPr>
+            </a:lvl1pPr>
+            <a:lvl2pPr defTabSz="4389438">
+              <a:defRPr>
+                <a:solidFill>
+                  <a:schemeClr val="tx1"/>
+                </a:solidFill>
+                <a:latin typeface="Arial" panose="020B0604020202020204" pitchFamily="34" charset="0"/>
+              </a:defRPr>
+            </a:lvl2pPr>
+            <a:lvl3pPr defTabSz="4389438">
+              <a:defRPr>
+                <a:solidFill>
+                  <a:schemeClr val="tx1"/>
+                </a:solidFill>
+                <a:latin typeface="Arial" panose="020B0604020202020204" pitchFamily="34" charset="0"/>
+              </a:defRPr>
+            </a:lvl3pPr>
+            <a:lvl4pPr defTabSz="4389438">
+              <a:defRPr>
+                <a:solidFill>
+                  <a:schemeClr val="tx1"/>
+                </a:solidFill>
+                <a:latin typeface="Arial" panose="020B0604020202020204" pitchFamily="34" charset="0"/>
+              </a:defRPr>
+            </a:lvl4pPr>
+            <a:lvl5pPr defTabSz="4389438">
+              <a:defRPr>
+                <a:solidFill>
+                  <a:schemeClr val="tx1"/>
+                </a:solidFill>
+                <a:latin typeface="Arial" panose="020B0604020202020204" pitchFamily="34" charset="0"/>
+              </a:defRPr>
+            </a:lvl5pPr>
+            <a:lvl6pPr algn="l" defTabSz="4389438" rtl="0" fontAlgn="base">
+              <a:spcBef>
+                <a:spcPct val="0"/>
+              </a:spcBef>
+              <a:spcAft>
+                <a:spcPct val="0"/>
+              </a:spcAft>
+              <a:defRPr>
+                <a:solidFill>
+                  <a:schemeClr val="tx1"/>
+                </a:solidFill>
+                <a:latin typeface="Arial" panose="020B0604020202020204" pitchFamily="34" charset="0"/>
+              </a:defRPr>
+            </a:lvl6pPr>
+            <a:lvl7pPr algn="l" defTabSz="4389438" rtl="0" fontAlgn="base">
+              <a:spcBef>
+                <a:spcPct val="0"/>
+              </a:spcBef>
+              <a:spcAft>
+                <a:spcPct val="0"/>
+              </a:spcAft>
+              <a:defRPr>
+                <a:solidFill>
+                  <a:schemeClr val="tx1"/>
+                </a:solidFill>
+                <a:latin typeface="Arial" panose="020B0604020202020204" pitchFamily="34" charset="0"/>
+              </a:defRPr>
+            </a:lvl7pPr>
+            <a:lvl8pPr algn="l" defTabSz="4389438" rtl="0" fontAlgn="base">
+              <a:spcBef>
+                <a:spcPct val="0"/>
+              </a:spcBef>
+              <a:spcAft>
+                <a:spcPct val="0"/>
+              </a:spcAft>
+              <a:defRPr>
+                <a:solidFill>
+                  <a:schemeClr val="tx1"/>
+                </a:solidFill>
+                <a:latin typeface="Arial" panose="020B0604020202020204" pitchFamily="34" charset="0"/>
+              </a:defRPr>
+            </a:lvl8pPr>
+            <a:lvl9pPr algn="l" defTabSz="4389438" rtl="0" fontAlgn="base">
+              <a:spcBef>
+                <a:spcPct val="0"/>
+              </a:spcBef>
+              <a:spcAft>
+                <a:spcPct val="0"/>
+              </a:spcAft>
+              <a:defRPr>
+                <a:solidFill>
+                  <a:schemeClr val="tx1"/>
+                </a:solidFill>
+                <a:latin typeface="Arial" panose="020B0604020202020204" pitchFamily="34" charset="0"/>
+              </a:defRPr>
+            </a:lvl9pPr>
+          </a:lstStyle>
+          <a:p>
+            <a:pPr algn="r" rtl="1"/>
+            <a:r>
+              <a:rPr lang="fa-IR" sz="2800" dirty="0">
+                <a:latin typeface="Impact" panose="020B0806030902050204" pitchFamily="34" charset="0"/>
+                <a:cs typeface="B Titr" panose="00000700000000000000" pitchFamily="2" charset="-78"/>
+              </a:rPr>
+              <a:t>شکل 2 </a:t>
+            </a:r>
+            <a:r>
+              <a:rPr lang="fa-IR" sz="2800" b="1" dirty="0">
+                <a:latin typeface="Impact" panose="020B0806030902050204" pitchFamily="34" charset="0"/>
+                <a:cs typeface="B Nazanin" panose="00000400000000000000" pitchFamily="2" charset="-78"/>
+              </a:rPr>
+              <a:t> بلوک دیاگرام پردازنده</a:t>
+            </a:r>
+            <a:endParaRPr lang="en-US" sz="2800" b="1" dirty="0">
+              <a:latin typeface="Impact" panose="020B0806030902050204" pitchFamily="34" charset="0"/>
+              <a:cs typeface="B Nazanin" panose="00000400000000000000" pitchFamily="2" charset="-78"/>
+            </a:endParaRPr>
+          </a:p>
+        </p:txBody>
+      </p:sp>
     </p:spTree>
   </p:cSld>
   <p:clrMapOvr>
